--- a/hplanes.pptx
+++ b/hplanes.pptx
@@ -4,9 +4,13 @@
   <p:sldMasterIdLst>
     <p:sldMasterId id="2147483660" r:id="rId1"/>
   </p:sldMasterIdLst>
+  <p:notesMasterIdLst>
+    <p:notesMasterId r:id="rId5"/>
+  </p:notesMasterIdLst>
   <p:sldIdLst>
     <p:sldId id="256" r:id="rId2"/>
-    <p:sldId id="257" r:id="rId3"/>
+    <p:sldId id="258" r:id="rId3"/>
+    <p:sldId id="257" r:id="rId4"/>
   </p:sldIdLst>
   <p:sldSz cx="9144000" cy="6858000" type="screen4x3"/>
   <p:notesSz cx="6858000" cy="9144000"/>
@@ -108,6 +112,462 @@
 </p:presentation>
 </file>
 
+<file path=ppt/notesMasters/notesMaster1.xml><?xml version="1.0" encoding="utf-8"?>
+<p:notesMaster xmlns:a="http://schemas.openxmlformats.org/drawingml/2006/main" xmlns:r="http://schemas.openxmlformats.org/officeDocument/2006/relationships" xmlns:p="http://schemas.openxmlformats.org/presentationml/2006/main">
+  <p:cSld>
+    <p:bg>
+      <p:bgRef idx="1001">
+        <a:schemeClr val="bg1"/>
+      </p:bgRef>
+    </p:bg>
+    <p:spTree>
+      <p:nvGrpSpPr>
+        <p:cNvPr id="1" name=""/>
+        <p:cNvGrpSpPr/>
+        <p:nvPr/>
+      </p:nvGrpSpPr>
+      <p:grpSpPr>
+        <a:xfrm>
+          <a:off x="0" y="0"/>
+          <a:ext cx="0" cy="0"/>
+          <a:chOff x="0" y="0"/>
+          <a:chExt cx="0" cy="0"/>
+        </a:xfrm>
+      </p:grpSpPr>
+      <p:sp>
+        <p:nvSpPr>
+          <p:cNvPr id="2" name="Header Placeholder 1"/>
+          <p:cNvSpPr>
+            <a:spLocks noGrp="1"/>
+          </p:cNvSpPr>
+          <p:nvPr>
+            <p:ph type="hdr" sz="quarter"/>
+          </p:nvPr>
+        </p:nvSpPr>
+        <p:spPr>
+          <a:xfrm>
+            <a:off x="0" y="0"/>
+            <a:ext cx="2971800" cy="457200"/>
+          </a:xfrm>
+          <a:prstGeom prst="rect">
+            <a:avLst/>
+          </a:prstGeom>
+        </p:spPr>
+        <p:txBody>
+          <a:bodyPr vert="horz" lIns="91440" tIns="45720" rIns="91440" bIns="45720" rtlCol="0"/>
+          <a:lstStyle>
+            <a:lvl1pPr algn="l">
+              <a:defRPr sz="1200"/>
+            </a:lvl1pPr>
+          </a:lstStyle>
+          <a:p>
+            <a:endParaRPr lang="en-US"/>
+          </a:p>
+        </p:txBody>
+      </p:sp>
+      <p:sp>
+        <p:nvSpPr>
+          <p:cNvPr id="3" name="Date Placeholder 2"/>
+          <p:cNvSpPr>
+            <a:spLocks noGrp="1"/>
+          </p:cNvSpPr>
+          <p:nvPr>
+            <p:ph type="dt" idx="1"/>
+          </p:nvPr>
+        </p:nvSpPr>
+        <p:spPr>
+          <a:xfrm>
+            <a:off x="3884613" y="0"/>
+            <a:ext cx="2971800" cy="457200"/>
+          </a:xfrm>
+          <a:prstGeom prst="rect">
+            <a:avLst/>
+          </a:prstGeom>
+        </p:spPr>
+        <p:txBody>
+          <a:bodyPr vert="horz" lIns="91440" tIns="45720" rIns="91440" bIns="45720" rtlCol="0"/>
+          <a:lstStyle>
+            <a:lvl1pPr algn="r">
+              <a:defRPr sz="1200"/>
+            </a:lvl1pPr>
+          </a:lstStyle>
+          <a:p>
+            <a:fld id="{D5D2830A-0FBB-4B9F-9454-FCA95ED70FDB}" type="datetimeFigureOut">
+              <a:rPr lang="en-US" smtClean="0"/>
+              <a:t>12/7/2009</a:t>
+            </a:fld>
+            <a:endParaRPr lang="en-US"/>
+          </a:p>
+        </p:txBody>
+      </p:sp>
+      <p:sp>
+        <p:nvSpPr>
+          <p:cNvPr id="4" name="Slide Image Placeholder 3"/>
+          <p:cNvSpPr>
+            <a:spLocks noGrp="1" noRot="1" noChangeAspect="1"/>
+          </p:cNvSpPr>
+          <p:nvPr>
+            <p:ph type="sldImg" idx="2"/>
+          </p:nvPr>
+        </p:nvSpPr>
+        <p:spPr>
+          <a:xfrm>
+            <a:off x="1143000" y="685800"/>
+            <a:ext cx="4572000" cy="3429000"/>
+          </a:xfrm>
+          <a:prstGeom prst="rect">
+            <a:avLst/>
+          </a:prstGeom>
+          <a:noFill/>
+          <a:ln w="12700">
+            <a:solidFill>
+              <a:prstClr val="black"/>
+            </a:solidFill>
+          </a:ln>
+        </p:spPr>
+        <p:txBody>
+          <a:bodyPr vert="horz" lIns="91440" tIns="45720" rIns="91440" bIns="45720" rtlCol="0" anchor="ctr"/>
+          <a:lstStyle/>
+          <a:p>
+            <a:endParaRPr lang="en-US"/>
+          </a:p>
+        </p:txBody>
+      </p:sp>
+      <p:sp>
+        <p:nvSpPr>
+          <p:cNvPr id="5" name="Notes Placeholder 4"/>
+          <p:cNvSpPr>
+            <a:spLocks noGrp="1"/>
+          </p:cNvSpPr>
+          <p:nvPr>
+            <p:ph type="body" sz="quarter" idx="3"/>
+          </p:nvPr>
+        </p:nvSpPr>
+        <p:spPr>
+          <a:xfrm>
+            <a:off x="685800" y="4343400"/>
+            <a:ext cx="5486400" cy="4114800"/>
+          </a:xfrm>
+          <a:prstGeom prst="rect">
+            <a:avLst/>
+          </a:prstGeom>
+        </p:spPr>
+        <p:txBody>
+          <a:bodyPr vert="horz" lIns="91440" tIns="45720" rIns="91440" bIns="45720" rtlCol="0">
+            <a:normAutofit/>
+          </a:bodyPr>
+          <a:lstStyle/>
+          <a:p>
+            <a:pPr lvl="0"/>
+            <a:r>
+              <a:rPr lang="en-US" smtClean="0"/>
+              <a:t>Click to edit Master text styles</a:t>
+            </a:r>
+          </a:p>
+          <a:p>
+            <a:pPr lvl="1"/>
+            <a:r>
+              <a:rPr lang="en-US" smtClean="0"/>
+              <a:t>Second level</a:t>
+            </a:r>
+          </a:p>
+          <a:p>
+            <a:pPr lvl="2"/>
+            <a:r>
+              <a:rPr lang="en-US" smtClean="0"/>
+              <a:t>Third level</a:t>
+            </a:r>
+          </a:p>
+          <a:p>
+            <a:pPr lvl="3"/>
+            <a:r>
+              <a:rPr lang="en-US" smtClean="0"/>
+              <a:t>Fourth level</a:t>
+            </a:r>
+          </a:p>
+          <a:p>
+            <a:pPr lvl="4"/>
+            <a:r>
+              <a:rPr lang="en-US" smtClean="0"/>
+              <a:t>Fifth level</a:t>
+            </a:r>
+            <a:endParaRPr lang="en-US"/>
+          </a:p>
+        </p:txBody>
+      </p:sp>
+      <p:sp>
+        <p:nvSpPr>
+          <p:cNvPr id="6" name="Footer Placeholder 5"/>
+          <p:cNvSpPr>
+            <a:spLocks noGrp="1"/>
+          </p:cNvSpPr>
+          <p:nvPr>
+            <p:ph type="ftr" sz="quarter" idx="4"/>
+          </p:nvPr>
+        </p:nvSpPr>
+        <p:spPr>
+          <a:xfrm>
+            <a:off x="0" y="8685213"/>
+            <a:ext cx="2971800" cy="457200"/>
+          </a:xfrm>
+          <a:prstGeom prst="rect">
+            <a:avLst/>
+          </a:prstGeom>
+        </p:spPr>
+        <p:txBody>
+          <a:bodyPr vert="horz" lIns="91440" tIns="45720" rIns="91440" bIns="45720" rtlCol="0" anchor="b"/>
+          <a:lstStyle>
+            <a:lvl1pPr algn="l">
+              <a:defRPr sz="1200"/>
+            </a:lvl1pPr>
+          </a:lstStyle>
+          <a:p>
+            <a:endParaRPr lang="en-US"/>
+          </a:p>
+        </p:txBody>
+      </p:sp>
+      <p:sp>
+        <p:nvSpPr>
+          <p:cNvPr id="7" name="Slide Number Placeholder 6"/>
+          <p:cNvSpPr>
+            <a:spLocks noGrp="1"/>
+          </p:cNvSpPr>
+          <p:nvPr>
+            <p:ph type="sldNum" sz="quarter" idx="5"/>
+          </p:nvPr>
+        </p:nvSpPr>
+        <p:spPr>
+          <a:xfrm>
+            <a:off x="3884613" y="8685213"/>
+            <a:ext cx="2971800" cy="457200"/>
+          </a:xfrm>
+          <a:prstGeom prst="rect">
+            <a:avLst/>
+          </a:prstGeom>
+        </p:spPr>
+        <p:txBody>
+          <a:bodyPr vert="horz" lIns="91440" tIns="45720" rIns="91440" bIns="45720" rtlCol="0" anchor="b"/>
+          <a:lstStyle>
+            <a:lvl1pPr algn="r">
+              <a:defRPr sz="1200"/>
+            </a:lvl1pPr>
+          </a:lstStyle>
+          <a:p>
+            <a:fld id="{64A8B611-7969-4ED8-BAA6-733A94B518BB}" type="slidenum">
+              <a:rPr lang="en-US" smtClean="0"/>
+              <a:t>‹#›</a:t>
+            </a:fld>
+            <a:endParaRPr lang="en-US"/>
+          </a:p>
+        </p:txBody>
+      </p:sp>
+    </p:spTree>
+  </p:cSld>
+  <p:clrMap bg1="lt1" tx1="dk1" bg2="lt2" tx2="dk2" accent1="accent1" accent2="accent2" accent3="accent3" accent4="accent4" accent5="accent5" accent6="accent6" hlink="hlink" folHlink="folHlink"/>
+  <p:notesStyle>
+    <a:lvl1pPr marL="0" algn="l" defTabSz="914400" rtl="0" eaLnBrk="1" latinLnBrk="0" hangingPunct="1">
+      <a:defRPr sz="1200" kern="1200">
+        <a:solidFill>
+          <a:schemeClr val="tx1"/>
+        </a:solidFill>
+        <a:latin typeface="+mn-lt"/>
+        <a:ea typeface="+mn-ea"/>
+        <a:cs typeface="+mn-cs"/>
+      </a:defRPr>
+    </a:lvl1pPr>
+    <a:lvl2pPr marL="457200" algn="l" defTabSz="914400" rtl="0" eaLnBrk="1" latinLnBrk="0" hangingPunct="1">
+      <a:defRPr sz="1200" kern="1200">
+        <a:solidFill>
+          <a:schemeClr val="tx1"/>
+        </a:solidFill>
+        <a:latin typeface="+mn-lt"/>
+        <a:ea typeface="+mn-ea"/>
+        <a:cs typeface="+mn-cs"/>
+      </a:defRPr>
+    </a:lvl2pPr>
+    <a:lvl3pPr marL="914400" algn="l" defTabSz="914400" rtl="0" eaLnBrk="1" latinLnBrk="0" hangingPunct="1">
+      <a:defRPr sz="1200" kern="1200">
+        <a:solidFill>
+          <a:schemeClr val="tx1"/>
+        </a:solidFill>
+        <a:latin typeface="+mn-lt"/>
+        <a:ea typeface="+mn-ea"/>
+        <a:cs typeface="+mn-cs"/>
+      </a:defRPr>
+    </a:lvl3pPr>
+    <a:lvl4pPr marL="1371600" algn="l" defTabSz="914400" rtl="0" eaLnBrk="1" latinLnBrk="0" hangingPunct="1">
+      <a:defRPr sz="1200" kern="1200">
+        <a:solidFill>
+          <a:schemeClr val="tx1"/>
+        </a:solidFill>
+        <a:latin typeface="+mn-lt"/>
+        <a:ea typeface="+mn-ea"/>
+        <a:cs typeface="+mn-cs"/>
+      </a:defRPr>
+    </a:lvl4pPr>
+    <a:lvl5pPr marL="1828800" algn="l" defTabSz="914400" rtl="0" eaLnBrk="1" latinLnBrk="0" hangingPunct="1">
+      <a:defRPr sz="1200" kern="1200">
+        <a:solidFill>
+          <a:schemeClr val="tx1"/>
+        </a:solidFill>
+        <a:latin typeface="+mn-lt"/>
+        <a:ea typeface="+mn-ea"/>
+        <a:cs typeface="+mn-cs"/>
+      </a:defRPr>
+    </a:lvl5pPr>
+    <a:lvl6pPr marL="2286000" algn="l" defTabSz="914400" rtl="0" eaLnBrk="1" latinLnBrk="0" hangingPunct="1">
+      <a:defRPr sz="1200" kern="1200">
+        <a:solidFill>
+          <a:schemeClr val="tx1"/>
+        </a:solidFill>
+        <a:latin typeface="+mn-lt"/>
+        <a:ea typeface="+mn-ea"/>
+        <a:cs typeface="+mn-cs"/>
+      </a:defRPr>
+    </a:lvl6pPr>
+    <a:lvl7pPr marL="2743200" algn="l" defTabSz="914400" rtl="0" eaLnBrk="1" latinLnBrk="0" hangingPunct="1">
+      <a:defRPr sz="1200" kern="1200">
+        <a:solidFill>
+          <a:schemeClr val="tx1"/>
+        </a:solidFill>
+        <a:latin typeface="+mn-lt"/>
+        <a:ea typeface="+mn-ea"/>
+        <a:cs typeface="+mn-cs"/>
+      </a:defRPr>
+    </a:lvl7pPr>
+    <a:lvl8pPr marL="3200400" algn="l" defTabSz="914400" rtl="0" eaLnBrk="1" latinLnBrk="0" hangingPunct="1">
+      <a:defRPr sz="1200" kern="1200">
+        <a:solidFill>
+          <a:schemeClr val="tx1"/>
+        </a:solidFill>
+        <a:latin typeface="+mn-lt"/>
+        <a:ea typeface="+mn-ea"/>
+        <a:cs typeface="+mn-cs"/>
+      </a:defRPr>
+    </a:lvl8pPr>
+    <a:lvl9pPr marL="3657600" algn="l" defTabSz="914400" rtl="0" eaLnBrk="1" latinLnBrk="0" hangingPunct="1">
+      <a:defRPr sz="1200" kern="1200">
+        <a:solidFill>
+          <a:schemeClr val="tx1"/>
+        </a:solidFill>
+        <a:latin typeface="+mn-lt"/>
+        <a:ea typeface="+mn-ea"/>
+        <a:cs typeface="+mn-cs"/>
+      </a:defRPr>
+    </a:lvl9pPr>
+  </p:notesStyle>
+</p:notesMaster>
+</file>
+
+<file path=ppt/notesSlides/notesSlide1.xml><?xml version="1.0" encoding="utf-8"?>
+<p:notes xmlns:a="http://schemas.openxmlformats.org/drawingml/2006/main" xmlns:r="http://schemas.openxmlformats.org/officeDocument/2006/relationships" xmlns:p="http://schemas.openxmlformats.org/presentationml/2006/main">
+  <p:cSld>
+    <p:spTree>
+      <p:nvGrpSpPr>
+        <p:cNvPr id="1" name=""/>
+        <p:cNvGrpSpPr/>
+        <p:nvPr/>
+      </p:nvGrpSpPr>
+      <p:grpSpPr>
+        <a:xfrm>
+          <a:off x="0" y="0"/>
+          <a:ext cx="0" cy="0"/>
+          <a:chOff x="0" y="0"/>
+          <a:chExt cx="0" cy="0"/>
+        </a:xfrm>
+      </p:grpSpPr>
+      <p:sp>
+        <p:nvSpPr>
+          <p:cNvPr id="2" name="Slide Image Placeholder 1"/>
+          <p:cNvSpPr>
+            <a:spLocks noGrp="1" noRot="1" noChangeAspect="1"/>
+          </p:cNvSpPr>
+          <p:nvPr>
+            <p:ph type="sldImg"/>
+          </p:nvPr>
+        </p:nvSpPr>
+        <p:spPr/>
+      </p:sp>
+      <p:sp>
+        <p:nvSpPr>
+          <p:cNvPr id="3" name="Notes Placeholder 2"/>
+          <p:cNvSpPr>
+            <a:spLocks noGrp="1"/>
+          </p:cNvSpPr>
+          <p:nvPr>
+            <p:ph type="body" idx="1"/>
+          </p:nvPr>
+        </p:nvSpPr>
+        <p:spPr/>
+        <p:txBody>
+          <a:bodyPr>
+            <a:normAutofit/>
+          </a:bodyPr>
+          <a:lstStyle/>
+          <a:p>
+            <a:r>
+              <a:rPr lang="en-US" dirty="0" smtClean="0"/>
+              <a:t>Wolfgang </a:t>
+            </a:r>
+            <a:r>
+              <a:rPr lang="en-US" dirty="0" err="1" smtClean="0"/>
+              <a:t>Bolyai</a:t>
+            </a:r>
+            <a:r>
+              <a:rPr lang="en-US" dirty="0" smtClean="0"/>
+              <a:t> urging his</a:t>
+            </a:r>
+            <a:r>
+              <a:rPr lang="en-US" baseline="0" dirty="0" smtClean="0"/>
+              <a:t> son Janos </a:t>
+            </a:r>
+            <a:r>
+              <a:rPr lang="en-US" baseline="0" dirty="0" err="1" smtClean="0"/>
+              <a:t>Bolyai</a:t>
+            </a:r>
+            <a:r>
+              <a:rPr lang="en-US" baseline="0" dirty="0" smtClean="0"/>
+              <a:t> to give up work on </a:t>
+            </a:r>
+            <a:r>
+              <a:rPr lang="en-US" baseline="0" smtClean="0"/>
+              <a:t>hyperbolic geometry</a:t>
+            </a:r>
+            <a:endParaRPr lang="en-US"/>
+          </a:p>
+        </p:txBody>
+      </p:sp>
+      <p:sp>
+        <p:nvSpPr>
+          <p:cNvPr id="4" name="Slide Number Placeholder 3"/>
+          <p:cNvSpPr>
+            <a:spLocks noGrp="1"/>
+          </p:cNvSpPr>
+          <p:nvPr>
+            <p:ph type="sldNum" sz="quarter" idx="10"/>
+          </p:nvPr>
+        </p:nvSpPr>
+        <p:spPr/>
+        <p:txBody>
+          <a:bodyPr/>
+          <a:lstStyle/>
+          <a:p>
+            <a:fld id="{64A8B611-7969-4ED8-BAA6-733A94B518BB}" type="slidenum">
+              <a:rPr lang="en-US" smtClean="0"/>
+              <a:t>2</a:t>
+            </a:fld>
+            <a:endParaRPr lang="en-US"/>
+          </a:p>
+        </p:txBody>
+      </p:sp>
+    </p:spTree>
+  </p:cSld>
+  <p:clrMapOvr>
+    <a:masterClrMapping/>
+  </p:clrMapOvr>
+</p:notes>
+</file>
+
 <file path=ppt/slideLayouts/slideLayout1.xml><?xml version="1.0" encoding="utf-8"?>
 <p:sldLayout xmlns:a="http://schemas.openxmlformats.org/drawingml/2006/main" xmlns:r="http://schemas.openxmlformats.org/officeDocument/2006/relationships" xmlns:p="http://schemas.openxmlformats.org/presentationml/2006/main" type="title" preserve="1">
   <p:cSld name="Title Slide">
@@ -281,7 +741,8 @@
           <a:p>
             <a:fld id="{9C3AC2D2-DE1A-45B1-B9BF-A38051351CAF}" type="datetimeFigureOut">
               <a:rPr lang="en-US" smtClean="0"/>
-              <a:t>12/3/2009</a:t>
+              <a:pPr/>
+              <a:t>12/7/2009</a:t>
             </a:fld>
             <a:endParaRPr lang="en-US"/>
           </a:p>
@@ -323,6 +784,7 @@
           <a:p>
             <a:fld id="{2844869D-7529-45A6-A9C0-4AAFA68123B3}" type="slidenum">
               <a:rPr lang="en-US" smtClean="0"/>
+              <a:pPr/>
               <a:t>‹#›</a:t>
             </a:fld>
             <a:endParaRPr lang="en-US"/>
@@ -446,7 +908,8 @@
           <a:p>
             <a:fld id="{9C3AC2D2-DE1A-45B1-B9BF-A38051351CAF}" type="datetimeFigureOut">
               <a:rPr lang="en-US" smtClean="0"/>
-              <a:t>12/3/2009</a:t>
+              <a:pPr/>
+              <a:t>12/7/2009</a:t>
             </a:fld>
             <a:endParaRPr lang="en-US"/>
           </a:p>
@@ -488,6 +951,7 @@
           <a:p>
             <a:fld id="{2844869D-7529-45A6-A9C0-4AAFA68123B3}" type="slidenum">
               <a:rPr lang="en-US" smtClean="0"/>
+              <a:pPr/>
               <a:t>‹#›</a:t>
             </a:fld>
             <a:endParaRPr lang="en-US"/>
@@ -621,7 +1085,8 @@
           <a:p>
             <a:fld id="{9C3AC2D2-DE1A-45B1-B9BF-A38051351CAF}" type="datetimeFigureOut">
               <a:rPr lang="en-US" smtClean="0"/>
-              <a:t>12/3/2009</a:t>
+              <a:pPr/>
+              <a:t>12/7/2009</a:t>
             </a:fld>
             <a:endParaRPr lang="en-US"/>
           </a:p>
@@ -663,6 +1128,7 @@
           <a:p>
             <a:fld id="{2844869D-7529-45A6-A9C0-4AAFA68123B3}" type="slidenum">
               <a:rPr lang="en-US" smtClean="0"/>
+              <a:pPr/>
               <a:t>‹#›</a:t>
             </a:fld>
             <a:endParaRPr lang="en-US"/>
@@ -786,7 +1252,8 @@
           <a:p>
             <a:fld id="{9C3AC2D2-DE1A-45B1-B9BF-A38051351CAF}" type="datetimeFigureOut">
               <a:rPr lang="en-US" smtClean="0"/>
-              <a:t>12/3/2009</a:t>
+              <a:pPr/>
+              <a:t>12/7/2009</a:t>
             </a:fld>
             <a:endParaRPr lang="en-US"/>
           </a:p>
@@ -828,6 +1295,7 @@
           <a:p>
             <a:fld id="{2844869D-7529-45A6-A9C0-4AAFA68123B3}" type="slidenum">
               <a:rPr lang="en-US" smtClean="0"/>
+              <a:pPr/>
               <a:t>‹#›</a:t>
             </a:fld>
             <a:endParaRPr lang="en-US"/>
@@ -1028,7 +1496,8 @@
           <a:p>
             <a:fld id="{9C3AC2D2-DE1A-45B1-B9BF-A38051351CAF}" type="datetimeFigureOut">
               <a:rPr lang="en-US" smtClean="0"/>
-              <a:t>12/3/2009</a:t>
+              <a:pPr/>
+              <a:t>12/7/2009</a:t>
             </a:fld>
             <a:endParaRPr lang="en-US"/>
           </a:p>
@@ -1070,6 +1539,7 @@
           <a:p>
             <a:fld id="{2844869D-7529-45A6-A9C0-4AAFA68123B3}" type="slidenum">
               <a:rPr lang="en-US" smtClean="0"/>
+              <a:pPr/>
               <a:t>‹#›</a:t>
             </a:fld>
             <a:endParaRPr lang="en-US"/>
@@ -1292,7 +1762,8 @@
           <a:p>
             <a:fld id="{9C3AC2D2-DE1A-45B1-B9BF-A38051351CAF}" type="datetimeFigureOut">
               <a:rPr lang="en-US" smtClean="0"/>
-              <a:t>12/3/2009</a:t>
+              <a:pPr/>
+              <a:t>12/7/2009</a:t>
             </a:fld>
             <a:endParaRPr lang="en-US"/>
           </a:p>
@@ -1334,6 +1805,7 @@
           <a:p>
             <a:fld id="{2844869D-7529-45A6-A9C0-4AAFA68123B3}" type="slidenum">
               <a:rPr lang="en-US" smtClean="0"/>
+              <a:pPr/>
               <a:t>‹#›</a:t>
             </a:fld>
             <a:endParaRPr lang="en-US"/>
@@ -1670,7 +2142,8 @@
           <a:p>
             <a:fld id="{9C3AC2D2-DE1A-45B1-B9BF-A38051351CAF}" type="datetimeFigureOut">
               <a:rPr lang="en-US" smtClean="0"/>
-              <a:t>12/3/2009</a:t>
+              <a:pPr/>
+              <a:t>12/7/2009</a:t>
             </a:fld>
             <a:endParaRPr lang="en-US"/>
           </a:p>
@@ -1712,6 +2185,7 @@
           <a:p>
             <a:fld id="{2844869D-7529-45A6-A9C0-4AAFA68123B3}" type="slidenum">
               <a:rPr lang="en-US" smtClean="0"/>
+              <a:pPr/>
               <a:t>‹#›</a:t>
             </a:fld>
             <a:endParaRPr lang="en-US"/>
@@ -1820,7 +2294,8 @@
           <a:p>
             <a:fld id="{9C3AC2D2-DE1A-45B1-B9BF-A38051351CAF}" type="datetimeFigureOut">
               <a:rPr lang="en-US" smtClean="0"/>
-              <a:t>12/3/2009</a:t>
+              <a:pPr/>
+              <a:t>12/7/2009</a:t>
             </a:fld>
             <a:endParaRPr lang="en-US"/>
           </a:p>
@@ -1862,6 +2337,7 @@
           <a:p>
             <a:fld id="{2844869D-7529-45A6-A9C0-4AAFA68123B3}" type="slidenum">
               <a:rPr lang="en-US" smtClean="0"/>
+              <a:pPr/>
               <a:t>‹#›</a:t>
             </a:fld>
             <a:endParaRPr lang="en-US"/>
@@ -1910,7 +2386,8 @@
           <a:p>
             <a:fld id="{9C3AC2D2-DE1A-45B1-B9BF-A38051351CAF}" type="datetimeFigureOut">
               <a:rPr lang="en-US" smtClean="0"/>
-              <a:t>12/3/2009</a:t>
+              <a:pPr/>
+              <a:t>12/7/2009</a:t>
             </a:fld>
             <a:endParaRPr lang="en-US"/>
           </a:p>
@@ -1952,6 +2429,7 @@
           <a:p>
             <a:fld id="{2844869D-7529-45A6-A9C0-4AAFA68123B3}" type="slidenum">
               <a:rPr lang="en-US" smtClean="0"/>
+              <a:pPr/>
               <a:t>‹#›</a:t>
             </a:fld>
             <a:endParaRPr lang="en-US"/>
@@ -2171,7 +2649,8 @@
           <a:p>
             <a:fld id="{9C3AC2D2-DE1A-45B1-B9BF-A38051351CAF}" type="datetimeFigureOut">
               <a:rPr lang="en-US" smtClean="0"/>
-              <a:t>12/3/2009</a:t>
+              <a:pPr/>
+              <a:t>12/7/2009</a:t>
             </a:fld>
             <a:endParaRPr lang="en-US"/>
           </a:p>
@@ -2213,6 +2692,7 @@
           <a:p>
             <a:fld id="{2844869D-7529-45A6-A9C0-4AAFA68123B3}" type="slidenum">
               <a:rPr lang="en-US" smtClean="0"/>
+              <a:pPr/>
               <a:t>‹#›</a:t>
             </a:fld>
             <a:endParaRPr lang="en-US"/>
@@ -2459,7 +2939,8 @@
           <a:p>
             <a:fld id="{9C3AC2D2-DE1A-45B1-B9BF-A38051351CAF}" type="datetimeFigureOut">
               <a:rPr lang="en-US" smtClean="0"/>
-              <a:t>12/3/2009</a:t>
+              <a:pPr/>
+              <a:t>12/7/2009</a:t>
             </a:fld>
             <a:endParaRPr lang="en-US"/>
           </a:p>
@@ -2506,6 +2987,7 @@
           <a:p>
             <a:fld id="{2844869D-7529-45A6-A9C0-4AAFA68123B3}" type="slidenum">
               <a:rPr lang="en-US" smtClean="0"/>
+              <a:pPr/>
               <a:t>‹#›</a:t>
             </a:fld>
             <a:endParaRPr lang="en-US"/>
@@ -3230,7 +3712,8 @@
           <a:p>
             <a:fld id="{9C3AC2D2-DE1A-45B1-B9BF-A38051351CAF}" type="datetimeFigureOut">
               <a:rPr lang="en-US" smtClean="0"/>
-              <a:t>12/3/2009</a:t>
+              <a:pPr/>
+              <a:t>12/7/2009</a:t>
             </a:fld>
             <a:endParaRPr lang="en-US"/>
           </a:p>
@@ -3308,6 +3791,7 @@
           <a:p>
             <a:fld id="{2844869D-7529-45A6-A9C0-4AAFA68123B3}" type="slidenum">
               <a:rPr lang="en-US" smtClean="0"/>
+              <a:pPr/>
               <a:t>‹#›</a:t>
             </a:fld>
             <a:endParaRPr lang="en-US"/>
@@ -3921,6 +4405,64 @@
       </p:grpSpPr>
       <p:sp>
         <p:nvSpPr>
+          <p:cNvPr id="3" name="Content Placeholder 2"/>
+          <p:cNvSpPr>
+            <a:spLocks noGrp="1"/>
+          </p:cNvSpPr>
+          <p:nvPr>
+            <p:ph idx="1"/>
+          </p:nvPr>
+        </p:nvSpPr>
+        <p:spPr>
+          <a:xfrm>
+            <a:off x="838200" y="1447800"/>
+            <a:ext cx="7467600" cy="4876800"/>
+          </a:xfrm>
+        </p:spPr>
+        <p:txBody>
+          <a:bodyPr>
+            <a:noAutofit/>
+          </a:bodyPr>
+          <a:lstStyle/>
+          <a:p>
+            <a:pPr algn="ctr">
+              <a:buNone/>
+            </a:pPr>
+            <a:r>
+              <a:rPr lang="en-US" sz="4400" i="1" dirty="0" smtClean="0"/>
+              <a:t>For God’s sake, please give it up. Fear it no less than the sensual passion, because it, too, may take up all your time and deprive you of your health, peace of mind and happiness in life.</a:t>
+            </a:r>
+            <a:endParaRPr lang="en-US" sz="4400" i="1" dirty="0"/>
+          </a:p>
+        </p:txBody>
+      </p:sp>
+    </p:spTree>
+  </p:cSld>
+  <p:clrMapOvr>
+    <a:masterClrMapping/>
+  </p:clrMapOvr>
+</p:sld>
+</file>
+
+<file path=ppt/slides/slide3.xml><?xml version="1.0" encoding="utf-8"?>
+<p:sld xmlns:a="http://schemas.openxmlformats.org/drawingml/2006/main" xmlns:r="http://schemas.openxmlformats.org/officeDocument/2006/relationships" xmlns:p="http://schemas.openxmlformats.org/presentationml/2006/main">
+  <p:cSld>
+    <p:spTree>
+      <p:nvGrpSpPr>
+        <p:cNvPr id="1" name=""/>
+        <p:cNvGrpSpPr/>
+        <p:nvPr/>
+      </p:nvGrpSpPr>
+      <p:grpSpPr>
+        <a:xfrm>
+          <a:off x="0" y="0"/>
+          <a:ext cx="0" cy="0"/>
+          <a:chOff x="0" y="0"/>
+          <a:chExt cx="0" cy="0"/>
+        </a:xfrm>
+      </p:grpSpPr>
+      <p:sp>
+        <p:nvSpPr>
           <p:cNvPr id="2" name="Title 1"/>
           <p:cNvSpPr>
             <a:spLocks noGrp="1"/>
@@ -3935,10 +4477,10 @@
           <a:lstStyle/>
           <a:p>
             <a:r>
-              <a:rPr lang="en-US" smtClean="0"/>
+              <a:rPr lang="en-US" dirty="0" smtClean="0"/>
               <a:t>Curvature</a:t>
             </a:r>
-            <a:endParaRPr lang="en-US"/>
+            <a:endParaRPr lang="en-US" dirty="0"/>
           </a:p>
         </p:txBody>
       </p:sp>
@@ -4262,4 +4804,287 @@
   <a:objectDefaults/>
   <a:extraClrSchemeLst/>
 </a:theme>
+</file>
+
+<file path=ppt/theme/theme2.xml><?xml version="1.0" encoding="utf-8"?>
+<a:theme xmlns:a="http://schemas.openxmlformats.org/drawingml/2006/main" name="Office Theme">
+  <a:themeElements>
+    <a:clrScheme name="Office">
+      <a:dk1>
+        <a:sysClr val="windowText" lastClr="000000"/>
+      </a:dk1>
+      <a:lt1>
+        <a:sysClr val="window" lastClr="FFFFFF"/>
+      </a:lt1>
+      <a:dk2>
+        <a:srgbClr val="1F497D"/>
+      </a:dk2>
+      <a:lt2>
+        <a:srgbClr val="EEECE1"/>
+      </a:lt2>
+      <a:accent1>
+        <a:srgbClr val="4F81BD"/>
+      </a:accent1>
+      <a:accent2>
+        <a:srgbClr val="C0504D"/>
+      </a:accent2>
+      <a:accent3>
+        <a:srgbClr val="9BBB59"/>
+      </a:accent3>
+      <a:accent4>
+        <a:srgbClr val="8064A2"/>
+      </a:accent4>
+      <a:accent5>
+        <a:srgbClr val="4BACC6"/>
+      </a:accent5>
+      <a:accent6>
+        <a:srgbClr val="F79646"/>
+      </a:accent6>
+      <a:hlink>
+        <a:srgbClr val="0000FF"/>
+      </a:hlink>
+      <a:folHlink>
+        <a:srgbClr val="800080"/>
+      </a:folHlink>
+    </a:clrScheme>
+    <a:fontScheme name="Office">
+      <a:majorFont>
+        <a:latin typeface="Calibri"/>
+        <a:ea typeface=""/>
+        <a:cs typeface=""/>
+        <a:font script="Jpan" typeface="ＭＳ Ｐゴシック"/>
+        <a:font script="Hang" typeface="맑은 고딕"/>
+        <a:font script="Hans" typeface="宋体"/>
+        <a:font script="Hant" typeface="新細明體"/>
+        <a:font script="Arab" typeface="Times New Roman"/>
+        <a:font script="Hebr" typeface="Times New Roman"/>
+        <a:font script="Thai" typeface="Angsana New"/>
+        <a:font script="Ethi" typeface="Nyala"/>
+        <a:font script="Beng" typeface="Vrinda"/>
+        <a:font script="Gujr" typeface="Shruti"/>
+        <a:font script="Khmr" typeface="MoolBoran"/>
+        <a:font script="Knda" typeface="Tunga"/>
+        <a:font script="Guru" typeface="Raavi"/>
+        <a:font script="Cans" typeface="Euphemia"/>
+        <a:font script="Cher" typeface="Plantagenet Cherokee"/>
+        <a:font script="Yiii" typeface="Microsoft Yi Baiti"/>
+        <a:font script="Tibt" typeface="Microsoft Himalaya"/>
+        <a:font script="Thaa" typeface="MV Boli"/>
+        <a:font script="Deva" typeface="Mangal"/>
+        <a:font script="Telu" typeface="Gautami"/>
+        <a:font script="Taml" typeface="Latha"/>
+        <a:font script="Syrc" typeface="Estrangelo Edessa"/>
+        <a:font script="Orya" typeface="Kalinga"/>
+        <a:font script="Mlym" typeface="Kartika"/>
+        <a:font script="Laoo" typeface="DokChampa"/>
+        <a:font script="Sinh" typeface="Iskoola Pota"/>
+        <a:font script="Mong" typeface="Mongolian Baiti"/>
+        <a:font script="Viet" typeface="Times New Roman"/>
+        <a:font script="Uigh" typeface="Microsoft Uighur"/>
+      </a:majorFont>
+      <a:minorFont>
+        <a:latin typeface="Calibri"/>
+        <a:ea typeface=""/>
+        <a:cs typeface=""/>
+        <a:font script="Jpan" typeface="ＭＳ Ｐゴシック"/>
+        <a:font script="Hang" typeface="맑은 고딕"/>
+        <a:font script="Hans" typeface="宋体"/>
+        <a:font script="Hant" typeface="新細明體"/>
+        <a:font script="Arab" typeface="Arial"/>
+        <a:font script="Hebr" typeface="Arial"/>
+        <a:font script="Thai" typeface="Cordia New"/>
+        <a:font script="Ethi" typeface="Nyala"/>
+        <a:font script="Beng" typeface="Vrinda"/>
+        <a:font script="Gujr" typeface="Shruti"/>
+        <a:font script="Khmr" typeface="DaunPenh"/>
+        <a:font script="Knda" typeface="Tunga"/>
+        <a:font script="Guru" typeface="Raavi"/>
+        <a:font script="Cans" typeface="Euphemia"/>
+        <a:font script="Cher" typeface="Plantagenet Cherokee"/>
+        <a:font script="Yiii" typeface="Microsoft Yi Baiti"/>
+        <a:font script="Tibt" typeface="Microsoft Himalaya"/>
+        <a:font script="Thaa" typeface="MV Boli"/>
+        <a:font script="Deva" typeface="Mangal"/>
+        <a:font script="Telu" typeface="Gautami"/>
+        <a:font script="Taml" typeface="Latha"/>
+        <a:font script="Syrc" typeface="Estrangelo Edessa"/>
+        <a:font script="Orya" typeface="Kalinga"/>
+        <a:font script="Mlym" typeface="Kartika"/>
+        <a:font script="Laoo" typeface="DokChampa"/>
+        <a:font script="Sinh" typeface="Iskoola Pota"/>
+        <a:font script="Mong" typeface="Mongolian Baiti"/>
+        <a:font script="Viet" typeface="Arial"/>
+        <a:font script="Uigh" typeface="Microsoft Uighur"/>
+      </a:minorFont>
+    </a:fontScheme>
+    <a:fmtScheme name="Office">
+      <a:fillStyleLst>
+        <a:solidFill>
+          <a:schemeClr val="phClr"/>
+        </a:solidFill>
+        <a:gradFill rotWithShape="1">
+          <a:gsLst>
+            <a:gs pos="0">
+              <a:schemeClr val="phClr">
+                <a:tint val="50000"/>
+                <a:satMod val="300000"/>
+              </a:schemeClr>
+            </a:gs>
+            <a:gs pos="35000">
+              <a:schemeClr val="phClr">
+                <a:tint val="37000"/>
+                <a:satMod val="300000"/>
+              </a:schemeClr>
+            </a:gs>
+            <a:gs pos="100000">
+              <a:schemeClr val="phClr">
+                <a:tint val="15000"/>
+                <a:satMod val="350000"/>
+              </a:schemeClr>
+            </a:gs>
+          </a:gsLst>
+          <a:lin ang="16200000" scaled="1"/>
+        </a:gradFill>
+        <a:gradFill rotWithShape="1">
+          <a:gsLst>
+            <a:gs pos="0">
+              <a:schemeClr val="phClr">
+                <a:shade val="51000"/>
+                <a:satMod val="130000"/>
+              </a:schemeClr>
+            </a:gs>
+            <a:gs pos="80000">
+              <a:schemeClr val="phClr">
+                <a:shade val="93000"/>
+                <a:satMod val="130000"/>
+              </a:schemeClr>
+            </a:gs>
+            <a:gs pos="100000">
+              <a:schemeClr val="phClr">
+                <a:shade val="94000"/>
+                <a:satMod val="135000"/>
+              </a:schemeClr>
+            </a:gs>
+          </a:gsLst>
+          <a:lin ang="16200000" scaled="0"/>
+        </a:gradFill>
+      </a:fillStyleLst>
+      <a:lnStyleLst>
+        <a:ln w="9525" cap="flat" cmpd="sng" algn="ctr">
+          <a:solidFill>
+            <a:schemeClr val="phClr">
+              <a:shade val="95000"/>
+              <a:satMod val="105000"/>
+            </a:schemeClr>
+          </a:solidFill>
+          <a:prstDash val="solid"/>
+        </a:ln>
+        <a:ln w="25400" cap="flat" cmpd="sng" algn="ctr">
+          <a:solidFill>
+            <a:schemeClr val="phClr"/>
+          </a:solidFill>
+          <a:prstDash val="solid"/>
+        </a:ln>
+        <a:ln w="38100" cap="flat" cmpd="sng" algn="ctr">
+          <a:solidFill>
+            <a:schemeClr val="phClr"/>
+          </a:solidFill>
+          <a:prstDash val="solid"/>
+        </a:ln>
+      </a:lnStyleLst>
+      <a:effectStyleLst>
+        <a:effectStyle>
+          <a:effectLst>
+            <a:outerShdw blurRad="40000" dist="20000" dir="5400000" rotWithShape="0">
+              <a:srgbClr val="000000">
+                <a:alpha val="38000"/>
+              </a:srgbClr>
+            </a:outerShdw>
+          </a:effectLst>
+        </a:effectStyle>
+        <a:effectStyle>
+          <a:effectLst>
+            <a:outerShdw blurRad="40000" dist="23000" dir="5400000" rotWithShape="0">
+              <a:srgbClr val="000000">
+                <a:alpha val="35000"/>
+              </a:srgbClr>
+            </a:outerShdw>
+          </a:effectLst>
+        </a:effectStyle>
+        <a:effectStyle>
+          <a:effectLst>
+            <a:outerShdw blurRad="40000" dist="23000" dir="5400000" rotWithShape="0">
+              <a:srgbClr val="000000">
+                <a:alpha val="35000"/>
+              </a:srgbClr>
+            </a:outerShdw>
+          </a:effectLst>
+          <a:scene3d>
+            <a:camera prst="orthographicFront">
+              <a:rot lat="0" lon="0" rev="0"/>
+            </a:camera>
+            <a:lightRig rig="threePt" dir="t">
+              <a:rot lat="0" lon="0" rev="1200000"/>
+            </a:lightRig>
+          </a:scene3d>
+          <a:sp3d>
+            <a:bevelT w="63500" h="25400"/>
+          </a:sp3d>
+        </a:effectStyle>
+      </a:effectStyleLst>
+      <a:bgFillStyleLst>
+        <a:solidFill>
+          <a:schemeClr val="phClr"/>
+        </a:solidFill>
+        <a:gradFill rotWithShape="1">
+          <a:gsLst>
+            <a:gs pos="0">
+              <a:schemeClr val="phClr">
+                <a:tint val="40000"/>
+                <a:satMod val="350000"/>
+              </a:schemeClr>
+            </a:gs>
+            <a:gs pos="40000">
+              <a:schemeClr val="phClr">
+                <a:tint val="45000"/>
+                <a:shade val="99000"/>
+                <a:satMod val="350000"/>
+              </a:schemeClr>
+            </a:gs>
+            <a:gs pos="100000">
+              <a:schemeClr val="phClr">
+                <a:shade val="20000"/>
+                <a:satMod val="255000"/>
+              </a:schemeClr>
+            </a:gs>
+          </a:gsLst>
+          <a:path path="circle">
+            <a:fillToRect l="50000" t="-80000" r="50000" b="180000"/>
+          </a:path>
+        </a:gradFill>
+        <a:gradFill rotWithShape="1">
+          <a:gsLst>
+            <a:gs pos="0">
+              <a:schemeClr val="phClr">
+                <a:tint val="80000"/>
+                <a:satMod val="300000"/>
+              </a:schemeClr>
+            </a:gs>
+            <a:gs pos="100000">
+              <a:schemeClr val="phClr">
+                <a:shade val="30000"/>
+                <a:satMod val="200000"/>
+              </a:schemeClr>
+            </a:gs>
+          </a:gsLst>
+          <a:path path="circle">
+            <a:fillToRect l="50000" t="50000" r="50000" b="50000"/>
+          </a:path>
+        </a:gradFill>
+      </a:bgFillStyleLst>
+    </a:fmtScheme>
+  </a:themeElements>
+  <a:objectDefaults/>
+  <a:extraClrSchemeLst/>
+</a:theme>
 </file>
--- a/hplanes.pptx
+++ b/hplanes.pptx
@@ -527,13 +527,9 @@
             </a:r>
             <a:r>
               <a:rPr lang="en-US" baseline="0" dirty="0" smtClean="0"/>
-              <a:t> to give up work on </a:t>
-            </a:r>
-            <a:r>
-              <a:rPr lang="en-US" baseline="0" smtClean="0"/>
-              <a:t>hyperbolic geometry</a:t>
-            </a:r>
-            <a:endParaRPr lang="en-US"/>
+              <a:t> to give up work on hyperbolic geometry</a:t>
+            </a:r>
+            <a:endParaRPr lang="en-US" dirty="0"/>
           </a:p>
         </p:txBody>
       </p:sp>
@@ -4349,7 +4345,11 @@
           <a:p>
             <a:r>
               <a:rPr lang="en-US" dirty="0" smtClean="0"/>
-              <a:t>Fancy Title</a:t>
+              <a:t>Crocheting </a:t>
+            </a:r>
+            <a:r>
+              <a:rPr lang="en-US" smtClean="0"/>
+              <a:t>Hyperbolic Surfaces</a:t>
             </a:r>
             <a:endParaRPr lang="en-US" dirty="0"/>
           </a:p>
@@ -4372,7 +4372,7 @@
           <a:p>
             <a:r>
               <a:rPr lang="en-US" dirty="0" smtClean="0"/>
-              <a:t>Subtitle and/or my name</a:t>
+              <a:t>BarbaraJoy Jones</a:t>
             </a:r>
             <a:endParaRPr lang="en-US" dirty="0"/>
           </a:p>
@@ -4415,8 +4415,8 @@
         </p:nvSpPr>
         <p:spPr>
           <a:xfrm>
-            <a:off x="838200" y="1447800"/>
-            <a:ext cx="7467600" cy="4876800"/>
+            <a:off x="838200" y="1219200"/>
+            <a:ext cx="7467600" cy="5105400"/>
           </a:xfrm>
         </p:spPr>
         <p:txBody>

--- a/hplanes.pptx
+++ b/hplanes.pptx
@@ -4345,11 +4345,7 @@
           <a:p>
             <a:r>
               <a:rPr lang="en-US" dirty="0" smtClean="0"/>
-              <a:t>Crocheting </a:t>
-            </a:r>
-            <a:r>
-              <a:rPr lang="en-US" smtClean="0"/>
-              <a:t>Hyperbolic Surfaces</a:t>
+              <a:t>Crocheting Hyperbolic Surfaces</a:t>
             </a:r>
             <a:endParaRPr lang="en-US" dirty="0"/>
           </a:p>
@@ -4478,7 +4474,7 @@
           <a:p>
             <a:r>
               <a:rPr lang="en-US" dirty="0" smtClean="0"/>
-              <a:t>Curvature</a:t>
+              <a:t>What is a hyperbolic plane?</a:t>
             </a:r>
             <a:endParaRPr lang="en-US" dirty="0"/>
           </a:p>
@@ -4496,10 +4492,33 @@
         </p:nvSpPr>
         <p:spPr/>
         <p:txBody>
-          <a:bodyPr/>
-          <a:lstStyle/>
-          <a:p>
-            <a:endParaRPr lang="en-US"/>
+          <a:bodyPr>
+            <a:normAutofit/>
+          </a:bodyPr>
+          <a:lstStyle/>
+          <a:p>
+            <a:r>
+              <a:rPr lang="en-US" sz="3600" dirty="0" smtClean="0"/>
+              <a:t>D</a:t>
+            </a:r>
+            <a:r>
+              <a:rPr lang="en-US" sz="3600" dirty="0" smtClean="0"/>
+              <a:t>escribed by the </a:t>
+            </a:r>
+            <a:r>
+              <a:rPr lang="en-US" sz="3600" dirty="0" err="1" smtClean="0"/>
+              <a:t>Poincaré</a:t>
+            </a:r>
+            <a:r>
+              <a:rPr lang="en-US" sz="3600" dirty="0" smtClean="0"/>
+              <a:t> disc model</a:t>
+            </a:r>
+          </a:p>
+          <a:p>
+            <a:r>
+              <a:rPr lang="en-US" sz="3600" dirty="0" smtClean="0"/>
+              <a:t>Alternatively, a simply connected complete Riemannian manifold with constant negative Gaussian curvature</a:t>
+            </a:r>
           </a:p>
         </p:txBody>
       </p:sp>

--- a/hplanes.pptx
+++ b/hplanes.pptx
@@ -5,12 +5,13 @@
     <p:sldMasterId id="2147483660" r:id="rId1"/>
   </p:sldMasterIdLst>
   <p:notesMasterIdLst>
-    <p:notesMasterId r:id="rId5"/>
+    <p:notesMasterId r:id="rId6"/>
   </p:notesMasterIdLst>
   <p:sldIdLst>
     <p:sldId id="256" r:id="rId2"/>
     <p:sldId id="258" r:id="rId3"/>
     <p:sldId id="257" r:id="rId4"/>
+    <p:sldId id="259" r:id="rId5"/>
   </p:sldIdLst>
   <p:sldSz cx="9144000" cy="6858000" type="screen4x3"/>
   <p:notesSz cx="6858000" cy="9144000"/>
@@ -4522,6 +4523,147 @@
           </a:p>
         </p:txBody>
       </p:sp>
+    </p:spTree>
+  </p:cSld>
+  <p:clrMapOvr>
+    <a:masterClrMapping/>
+  </p:clrMapOvr>
+</p:sld>
+</file>
+
+<file path=ppt/slides/slide4.xml><?xml version="1.0" encoding="utf-8"?>
+<p:sld xmlns:a="http://schemas.openxmlformats.org/drawingml/2006/main" xmlns:r="http://schemas.openxmlformats.org/officeDocument/2006/relationships" xmlns:p="http://schemas.openxmlformats.org/presentationml/2006/main">
+  <p:cSld>
+    <p:spTree>
+      <p:nvGrpSpPr>
+        <p:cNvPr id="1" name=""/>
+        <p:cNvGrpSpPr/>
+        <p:nvPr/>
+      </p:nvGrpSpPr>
+      <p:grpSpPr>
+        <a:xfrm>
+          <a:off x="0" y="0"/>
+          <a:ext cx="0" cy="0"/>
+          <a:chOff x="0" y="0"/>
+          <a:chExt cx="0" cy="0"/>
+        </a:xfrm>
+      </p:grpSpPr>
+      <p:sp>
+        <p:nvSpPr>
+          <p:cNvPr id="2" name="Title 1"/>
+          <p:cNvSpPr>
+            <a:spLocks noGrp="1"/>
+          </p:cNvSpPr>
+          <p:nvPr>
+            <p:ph type="title"/>
+          </p:nvPr>
+        </p:nvSpPr>
+        <p:spPr/>
+        <p:txBody>
+          <a:bodyPr/>
+          <a:lstStyle/>
+          <a:p>
+            <a:r>
+              <a:rPr lang="en-US" sz="5400" dirty="0" err="1" smtClean="0"/>
+              <a:t>Poincaré</a:t>
+            </a:r>
+            <a:r>
+              <a:rPr lang="en-US" sz="5400" dirty="0" smtClean="0"/>
+              <a:t> disc model</a:t>
+            </a:r>
+            <a:endParaRPr lang="en-US" dirty="0"/>
+          </a:p>
+        </p:txBody>
+      </p:sp>
+      <p:sp>
+        <p:nvSpPr>
+          <p:cNvPr id="3" name="Content Placeholder 2"/>
+          <p:cNvSpPr>
+            <a:spLocks noGrp="1"/>
+          </p:cNvSpPr>
+          <p:nvPr>
+            <p:ph idx="1"/>
+          </p:nvPr>
+        </p:nvSpPr>
+        <p:spPr/>
+        <p:txBody>
+          <a:bodyPr/>
+          <a:lstStyle/>
+          <a:p>
+            <a:r>
+              <a:rPr lang="en-US" dirty="0" smtClean="0"/>
+              <a:t>All points within the unit circle </a:t>
+            </a:r>
+            <a:r>
+              <a:rPr lang="el-GR" dirty="0" smtClean="0"/>
+              <a:t>Ω</a:t>
+            </a:r>
+            <a:r>
+              <a:rPr lang="en-US" dirty="0" smtClean="0"/>
+              <a:t> with the center at the origin</a:t>
+            </a:r>
+          </a:p>
+          <a:p>
+            <a:r>
+              <a:rPr lang="en-US" dirty="0" smtClean="0"/>
+              <a:t>Point: an ordered pair (</a:t>
+            </a:r>
+            <a:r>
+              <a:rPr lang="en-US" i="1" dirty="0" err="1" smtClean="0"/>
+              <a:t>a,b</a:t>
+            </a:r>
+            <a:r>
+              <a:rPr lang="en-US" dirty="0" smtClean="0"/>
+              <a:t>) of real numbers satisfying</a:t>
+            </a:r>
+          </a:p>
+          <a:p>
+            <a:endParaRPr lang="en-US" dirty="0" smtClean="0"/>
+          </a:p>
+          <a:p>
+            <a:endParaRPr lang="en-US" dirty="0" smtClean="0"/>
+          </a:p>
+          <a:p>
+            <a:r>
+              <a:rPr lang="en-US" dirty="0" smtClean="0"/>
+              <a:t>Line: points inside </a:t>
+            </a:r>
+            <a:r>
+              <a:rPr lang="el-GR" dirty="0" smtClean="0"/>
+              <a:t>Ω </a:t>
+            </a:r>
+            <a:r>
+              <a:rPr lang="en-US" dirty="0" smtClean="0"/>
+              <a:t>lying on a circle that meets the unit </a:t>
+            </a:r>
+            <a:r>
+              <a:rPr lang="en-US" smtClean="0"/>
+              <a:t>circle orthogonally</a:t>
+            </a:r>
+            <a:endParaRPr lang="en-US" dirty="0"/>
+          </a:p>
+        </p:txBody>
+      </p:sp>
+      <p:graphicFrame>
+        <p:nvGraphicFramePr>
+          <p:cNvPr id="4" name="Object 3"/>
+          <p:cNvGraphicFramePr>
+            <a:graphicFrameLocks noChangeAspect="1"/>
+          </p:cNvGraphicFramePr>
+          <p:nvPr/>
+        </p:nvGraphicFramePr>
+        <p:xfrm>
+          <a:off x="3124200" y="3429000"/>
+          <a:ext cx="2103438" cy="635000"/>
+        </p:xfrm>
+        <a:graphic>
+          <a:graphicData uri="http://schemas.openxmlformats.org/presentationml/2006/ole">
+            <p:oleObj spid="_x0000_s1026" name="Equation" r:id="rId3" imgW="672840" imgH="203040" progId="Equation.3">
+              <p:embed/>
+            </p:oleObj>
+          </a:graphicData>
+        </a:graphic>
+      </p:graphicFrame>
     </p:spTree>
   </p:cSld>
   <p:clrMapOvr>

--- a/hplanes.pptx
+++ b/hplanes.pptx
@@ -552,6 +552,99 @@
             <a:fld id="{64A8B611-7969-4ED8-BAA6-733A94B518BB}" type="slidenum">
               <a:rPr lang="en-US" smtClean="0"/>
               <a:t>2</a:t>
+            </a:fld>
+            <a:endParaRPr lang="en-US"/>
+          </a:p>
+        </p:txBody>
+      </p:sp>
+    </p:spTree>
+  </p:cSld>
+  <p:clrMapOvr>
+    <a:masterClrMapping/>
+  </p:clrMapOvr>
+</p:notes>
+</file>
+
+<file path=ppt/notesSlides/notesSlide2.xml><?xml version="1.0" encoding="utf-8"?>
+<p:notes xmlns:a="http://schemas.openxmlformats.org/drawingml/2006/main" xmlns:r="http://schemas.openxmlformats.org/officeDocument/2006/relationships" xmlns:p="http://schemas.openxmlformats.org/presentationml/2006/main">
+  <p:cSld>
+    <p:spTree>
+      <p:nvGrpSpPr>
+        <p:cNvPr id="1" name=""/>
+        <p:cNvGrpSpPr/>
+        <p:nvPr/>
+      </p:nvGrpSpPr>
+      <p:grpSpPr>
+        <a:xfrm>
+          <a:off x="0" y="0"/>
+          <a:ext cx="0" cy="0"/>
+          <a:chOff x="0" y="0"/>
+          <a:chExt cx="0" cy="0"/>
+        </a:xfrm>
+      </p:grpSpPr>
+      <p:sp>
+        <p:nvSpPr>
+          <p:cNvPr id="2" name="Slide Image Placeholder 1"/>
+          <p:cNvSpPr>
+            <a:spLocks noGrp="1" noRot="1" noChangeAspect="1"/>
+          </p:cNvSpPr>
+          <p:nvPr>
+            <p:ph type="sldImg"/>
+          </p:nvPr>
+        </p:nvSpPr>
+        <p:spPr/>
+      </p:sp>
+      <p:sp>
+        <p:nvSpPr>
+          <p:cNvPr id="3" name="Notes Placeholder 2"/>
+          <p:cNvSpPr>
+            <a:spLocks noGrp="1"/>
+          </p:cNvSpPr>
+          <p:nvPr>
+            <p:ph type="body" idx="1"/>
+          </p:nvPr>
+        </p:nvSpPr>
+        <p:spPr/>
+        <p:txBody>
+          <a:bodyPr>
+            <a:normAutofit/>
+          </a:bodyPr>
+          <a:lstStyle/>
+          <a:p>
+            <a:r>
+              <a:rPr lang="en-US" dirty="0" smtClean="0"/>
+              <a:t>Problem:</a:t>
+            </a:r>
+            <a:r>
+              <a:rPr lang="en-US" baseline="0" dirty="0" smtClean="0"/>
+              <a:t> really hard to visualize, especially through diagrams on a whiteboard or other </a:t>
+            </a:r>
+            <a:r>
+              <a:rPr lang="en-US" baseline="0" smtClean="0"/>
+              <a:t>Euclidean surface</a:t>
+            </a:r>
+            <a:endParaRPr lang="en-US"/>
+          </a:p>
+        </p:txBody>
+      </p:sp>
+      <p:sp>
+        <p:nvSpPr>
+          <p:cNvPr id="4" name="Slide Number Placeholder 3"/>
+          <p:cNvSpPr>
+            <a:spLocks noGrp="1"/>
+          </p:cNvSpPr>
+          <p:nvPr>
+            <p:ph type="sldNum" sz="quarter" idx="10"/>
+          </p:nvPr>
+        </p:nvSpPr>
+        <p:spPr/>
+        <p:txBody>
+          <a:bodyPr/>
+          <a:lstStyle/>
+          <a:p>
+            <a:fld id="{64A8B611-7969-4ED8-BAA6-733A94B518BB}" type="slidenum">
+              <a:rPr lang="en-US" smtClean="0"/>
+              <a:t>4</a:t>
             </a:fld>
             <a:endParaRPr lang="en-US"/>
           </a:p>
@@ -4634,11 +4727,7 @@
             </a:r>
             <a:r>
               <a:rPr lang="en-US" dirty="0" smtClean="0"/>
-              <a:t>lying on a circle that meets the unit </a:t>
-            </a:r>
-            <a:r>
-              <a:rPr lang="en-US" smtClean="0"/>
-              <a:t>circle orthogonally</a:t>
+              <a:t>lying on a circle that meets the unit circle orthogonally</a:t>
             </a:r>
             <a:endParaRPr lang="en-US" dirty="0"/>
           </a:p>
@@ -4658,7 +4747,7 @@
         </p:xfrm>
         <a:graphic>
           <a:graphicData uri="http://schemas.openxmlformats.org/presentationml/2006/ole">
-            <p:oleObj spid="_x0000_s1026" name="Equation" r:id="rId3" imgW="672840" imgH="203040" progId="Equation.3">
+            <p:oleObj spid="_x0000_s1026" name="Equation" r:id="rId4" imgW="672840" imgH="203040" progId="Equation.3">
               <p:embed/>
             </p:oleObj>
           </a:graphicData>

--- a/hplanes.pptx
+++ b/hplanes.pptx
@@ -5,13 +5,14 @@
     <p:sldMasterId id="2147483660" r:id="rId1"/>
   </p:sldMasterIdLst>
   <p:notesMasterIdLst>
-    <p:notesMasterId r:id="rId6"/>
+    <p:notesMasterId r:id="rId7"/>
   </p:notesMasterIdLst>
   <p:sldIdLst>
     <p:sldId id="256" r:id="rId2"/>
     <p:sldId id="258" r:id="rId3"/>
     <p:sldId id="257" r:id="rId4"/>
     <p:sldId id="259" r:id="rId5"/>
+    <p:sldId id="260" r:id="rId6"/>
   </p:sldIdLst>
   <p:sldSz cx="9144000" cy="6858000" type="screen4x3"/>
   <p:notesSz cx="6858000" cy="9144000"/>
@@ -617,13 +618,9 @@
             </a:r>
             <a:r>
               <a:rPr lang="en-US" baseline="0" dirty="0" smtClean="0"/>
-              <a:t> really hard to visualize, especially through diagrams on a whiteboard or other </a:t>
-            </a:r>
-            <a:r>
-              <a:rPr lang="en-US" baseline="0" smtClean="0"/>
-              <a:t>Euclidean surface</a:t>
-            </a:r>
-            <a:endParaRPr lang="en-US"/>
+              <a:t> really hard to visualize, especially through diagrams on a whiteboard or other Euclidean surface</a:t>
+            </a:r>
+            <a:endParaRPr lang="en-US" dirty="0"/>
           </a:p>
         </p:txBody>
       </p:sp>
@@ -4753,6 +4750,87 @@
           </a:graphicData>
         </a:graphic>
       </p:graphicFrame>
+    </p:spTree>
+  </p:cSld>
+  <p:clrMapOvr>
+    <a:masterClrMapping/>
+  </p:clrMapOvr>
+</p:sld>
+</file>
+
+<file path=ppt/slides/slide5.xml><?xml version="1.0" encoding="utf-8"?>
+<p:sld xmlns:a="http://schemas.openxmlformats.org/drawingml/2006/main" xmlns:r="http://schemas.openxmlformats.org/officeDocument/2006/relationships" xmlns:p="http://schemas.openxmlformats.org/presentationml/2006/main">
+  <p:cSld>
+    <p:spTree>
+      <p:nvGrpSpPr>
+        <p:cNvPr id="1" name=""/>
+        <p:cNvGrpSpPr/>
+        <p:nvPr/>
+      </p:nvGrpSpPr>
+      <p:grpSpPr>
+        <a:xfrm>
+          <a:off x="0" y="0"/>
+          <a:ext cx="0" cy="0"/>
+          <a:chOff x="0" y="0"/>
+          <a:chExt cx="0" cy="0"/>
+        </a:xfrm>
+      </p:grpSpPr>
+      <p:sp>
+        <p:nvSpPr>
+          <p:cNvPr id="2" name="Title 1"/>
+          <p:cNvSpPr>
+            <a:spLocks noGrp="1"/>
+          </p:cNvSpPr>
+          <p:nvPr>
+            <p:ph type="title"/>
+          </p:nvPr>
+        </p:nvSpPr>
+        <p:spPr/>
+        <p:txBody>
+          <a:bodyPr/>
+          <a:lstStyle/>
+          <a:p>
+            <a:r>
+              <a:rPr lang="en-US" dirty="0" smtClean="0"/>
+              <a:t>Riemannian manifolds</a:t>
+            </a:r>
+            <a:endParaRPr lang="en-US" dirty="0"/>
+          </a:p>
+        </p:txBody>
+      </p:sp>
+      <p:sp>
+        <p:nvSpPr>
+          <p:cNvPr id="3" name="Content Placeholder 2"/>
+          <p:cNvSpPr>
+            <a:spLocks noGrp="1"/>
+          </p:cNvSpPr>
+          <p:nvPr>
+            <p:ph idx="1"/>
+          </p:nvPr>
+        </p:nvSpPr>
+        <p:spPr/>
+        <p:txBody>
+          <a:bodyPr/>
+          <a:lstStyle/>
+          <a:p>
+            <a:r>
+              <a:rPr lang="en-US" dirty="0" smtClean="0"/>
+              <a:t>A surface differentiably embedded in 3-space by an isometry whose first and second derivatives are continuous</a:t>
+            </a:r>
+          </a:p>
+          <a:p>
+            <a:r>
+              <a:rPr lang="en-US" dirty="0" smtClean="0"/>
+              <a:t>Geometry is approximately Euclidean on a </a:t>
+            </a:r>
+            <a:r>
+              <a:rPr lang="en-US" smtClean="0"/>
+              <a:t>small scale</a:t>
+            </a:r>
+            <a:endParaRPr lang="en-US" dirty="0"/>
+          </a:p>
+        </p:txBody>
+      </p:sp>
     </p:spTree>
   </p:cSld>
   <p:clrMapOvr>

--- a/hplanes.pptx
+++ b/hplanes.pptx
@@ -5,14 +5,13 @@
     <p:sldMasterId id="2147483660" r:id="rId1"/>
   </p:sldMasterIdLst>
   <p:notesMasterIdLst>
-    <p:notesMasterId r:id="rId7"/>
+    <p:notesMasterId r:id="rId6"/>
   </p:notesMasterIdLst>
   <p:sldIdLst>
     <p:sldId id="256" r:id="rId2"/>
     <p:sldId id="258" r:id="rId3"/>
-    <p:sldId id="257" r:id="rId4"/>
-    <p:sldId id="259" r:id="rId5"/>
-    <p:sldId id="260" r:id="rId6"/>
+    <p:sldId id="259" r:id="rId4"/>
+    <p:sldId id="260" r:id="rId5"/>
   </p:sldIdLst>
   <p:sldSz cx="9144000" cy="6858000" type="screen4x3"/>
   <p:notesSz cx="6858000" cy="9144000"/>
@@ -614,13 +613,124 @@
           <a:p>
             <a:r>
               <a:rPr lang="en-US" dirty="0" smtClean="0"/>
-              <a:t>Problem:</a:t>
+              <a:t>Hyperbolic plane: a Riemannian manifold with constant negative Gaussian</a:t>
             </a:r>
             <a:r>
               <a:rPr lang="en-US" baseline="0" dirty="0" smtClean="0"/>
-              <a:t> really hard to visualize, especially through diagrams on a whiteboard or other Euclidean surface</a:t>
+              <a:t> curvature</a:t>
+            </a:r>
+          </a:p>
+          <a:p>
+            <a:r>
+              <a:rPr lang="en-US" baseline="0" dirty="0" smtClean="0"/>
+              <a:t>C^2 embedding: surface is differentiably embedded into 3-space by an isometry whose first and second derivatives are continuous</a:t>
+            </a:r>
+          </a:p>
+          <a:p>
+            <a:r>
+              <a:rPr lang="en-US" baseline="0" dirty="0" smtClean="0"/>
+              <a:t>Circles = constant positive curvature, 1/R</a:t>
+            </a:r>
+          </a:p>
+          <a:p>
+            <a:r>
+              <a:rPr lang="en-US" baseline="0" dirty="0" smtClean="0"/>
+              <a:t>R = radius of the hyperbolic plane</a:t>
             </a:r>
             <a:endParaRPr lang="en-US" dirty="0"/>
+          </a:p>
+        </p:txBody>
+      </p:sp>
+      <p:sp>
+        <p:nvSpPr>
+          <p:cNvPr id="4" name="Slide Number Placeholder 3"/>
+          <p:cNvSpPr>
+            <a:spLocks noGrp="1"/>
+          </p:cNvSpPr>
+          <p:nvPr>
+            <p:ph type="sldNum" sz="quarter" idx="10"/>
+          </p:nvPr>
+        </p:nvSpPr>
+        <p:spPr/>
+        <p:txBody>
+          <a:bodyPr/>
+          <a:lstStyle/>
+          <a:p>
+            <a:fld id="{64A8B611-7969-4ED8-BAA6-733A94B518BB}" type="slidenum">
+              <a:rPr lang="en-US" smtClean="0"/>
+              <a:t>3</a:t>
+            </a:fld>
+            <a:endParaRPr lang="en-US"/>
+          </a:p>
+        </p:txBody>
+      </p:sp>
+    </p:spTree>
+  </p:cSld>
+  <p:clrMapOvr>
+    <a:masterClrMapping/>
+  </p:clrMapOvr>
+</p:notes>
+</file>
+
+<file path=ppt/notesSlides/notesSlide3.xml><?xml version="1.0" encoding="utf-8"?>
+<p:notes xmlns:a="http://schemas.openxmlformats.org/drawingml/2006/main" xmlns:r="http://schemas.openxmlformats.org/officeDocument/2006/relationships" xmlns:p="http://schemas.openxmlformats.org/presentationml/2006/main">
+  <p:cSld>
+    <p:spTree>
+      <p:nvGrpSpPr>
+        <p:cNvPr id="1" name=""/>
+        <p:cNvGrpSpPr/>
+        <p:nvPr/>
+      </p:nvGrpSpPr>
+      <p:grpSpPr>
+        <a:xfrm>
+          <a:off x="0" y="0"/>
+          <a:ext cx="0" cy="0"/>
+          <a:chOff x="0" y="0"/>
+          <a:chExt cx="0" cy="0"/>
+        </a:xfrm>
+      </p:grpSpPr>
+      <p:sp>
+        <p:nvSpPr>
+          <p:cNvPr id="2" name="Slide Image Placeholder 1"/>
+          <p:cNvSpPr>
+            <a:spLocks noGrp="1" noRot="1" noChangeAspect="1"/>
+          </p:cNvSpPr>
+          <p:nvPr>
+            <p:ph type="sldImg"/>
+          </p:nvPr>
+        </p:nvSpPr>
+        <p:spPr/>
+      </p:sp>
+      <p:sp>
+        <p:nvSpPr>
+          <p:cNvPr id="3" name="Notes Placeholder 2"/>
+          <p:cNvSpPr>
+            <a:spLocks noGrp="1"/>
+          </p:cNvSpPr>
+          <p:nvPr>
+            <p:ph type="body" idx="1"/>
+          </p:nvPr>
+        </p:nvSpPr>
+        <p:spPr/>
+        <p:txBody>
+          <a:bodyPr>
+            <a:normAutofit/>
+          </a:bodyPr>
+          <a:lstStyle/>
+          <a:p>
+            <a:r>
+              <a:rPr lang="en-US" dirty="0" smtClean="0"/>
+              <a:t>Spherical</a:t>
+            </a:r>
+            <a:r>
+              <a:rPr lang="en-US" baseline="0" dirty="0" smtClean="0"/>
+              <a:t> geometry: use the surface of </a:t>
+            </a:r>
+            <a:r>
+              <a:rPr lang="en-US" baseline="0" smtClean="0"/>
+              <a:t>a ball</a:t>
+            </a:r>
+            <a:endParaRPr lang="en-US"/>
           </a:p>
         </p:txBody>
       </p:sp>
@@ -4565,7 +4675,7 @@
           <a:p>
             <a:r>
               <a:rPr lang="en-US" dirty="0" smtClean="0"/>
-              <a:t>What is a hyperbolic plane?</a:t>
+              <a:t>Gaussian curvature</a:t>
             </a:r>
             <a:endParaRPr lang="en-US" dirty="0"/>
           </a:p>
@@ -4589,27 +4699,64 @@
           <a:lstStyle/>
           <a:p>
             <a:r>
-              <a:rPr lang="en-US" sz="3600" dirty="0" smtClean="0"/>
-              <a:t>D</a:t>
-            </a:r>
-            <a:r>
-              <a:rPr lang="en-US" sz="3600" dirty="0" smtClean="0"/>
-              <a:t>escribed by the </a:t>
-            </a:r>
-            <a:r>
-              <a:rPr lang="en-US" sz="3600" dirty="0" err="1" smtClean="0"/>
-              <a:t>Poincaré</a:t>
-            </a:r>
-            <a:r>
-              <a:rPr lang="en-US" sz="3600" dirty="0" smtClean="0"/>
-              <a:t> disc model</a:t>
-            </a:r>
-          </a:p>
-          <a:p>
-            <a:r>
-              <a:rPr lang="en-US" sz="3600" dirty="0" smtClean="0"/>
-              <a:t>Alternatively, a simply connected complete Riemannian manifold with constant negative Gaussian curvature</a:t>
-            </a:r>
+              <a:rPr lang="en-US" sz="2800" i="1" dirty="0" err="1" smtClean="0"/>
+              <a:t>Theorema</a:t>
+            </a:r>
+            <a:r>
+              <a:rPr lang="en-US" sz="2800" i="1" dirty="0" smtClean="0"/>
+              <a:t> </a:t>
+            </a:r>
+            <a:r>
+              <a:rPr lang="en-US" sz="2800" i="1" dirty="0" err="1" smtClean="0"/>
+              <a:t>Egregium</a:t>
+            </a:r>
+            <a:r>
+              <a:rPr lang="en-US" sz="2800" dirty="0" smtClean="0"/>
+              <a:t>: Gaussian curvature is an intrinsic property, independent of C</a:t>
+            </a:r>
+            <a:r>
+              <a:rPr lang="en-US" sz="2800" baseline="30000" dirty="0" smtClean="0"/>
+              <a:t>2</a:t>
+            </a:r>
+            <a:r>
+              <a:rPr lang="en-US" sz="2800" dirty="0" smtClean="0"/>
+              <a:t> embedding</a:t>
+            </a:r>
+          </a:p>
+          <a:p>
+            <a:r>
+              <a:rPr lang="en-US" sz="2800" dirty="0" smtClean="0"/>
+              <a:t>Spheres have constant positive curvature: (1/R</a:t>
+            </a:r>
+            <a:r>
+              <a:rPr lang="en-US" sz="2800" baseline="30000" dirty="0" smtClean="0"/>
+              <a:t>2</a:t>
+            </a:r>
+            <a:r>
+              <a:rPr lang="en-US" sz="2800" dirty="0" smtClean="0"/>
+              <a:t>)</a:t>
+            </a:r>
+          </a:p>
+          <a:p>
+            <a:r>
+              <a:rPr lang="en-US" sz="2800" dirty="0" smtClean="0"/>
+              <a:t>Planes have zero curvature</a:t>
+            </a:r>
+          </a:p>
+          <a:p>
+            <a:r>
+              <a:rPr lang="en-US" sz="2800" dirty="0" smtClean="0"/>
+              <a:t>Hyperbolic planes have constant negative curvature: (-1/R</a:t>
+            </a:r>
+            <a:r>
+              <a:rPr lang="en-US" sz="2800" baseline="30000" dirty="0" smtClean="0"/>
+              <a:t>2</a:t>
+            </a:r>
+            <a:r>
+              <a:rPr lang="en-US" sz="2800" dirty="0" smtClean="0"/>
+              <a:t>)</a:t>
+            </a:r>
+            <a:endParaRPr lang="en-US" sz="2800" dirty="0"/>
           </a:p>
         </p:txBody>
       </p:sp>
@@ -4654,12 +4801,8 @@
           <a:lstStyle/>
           <a:p>
             <a:r>
-              <a:rPr lang="en-US" sz="5400" dirty="0" err="1" smtClean="0"/>
-              <a:t>Poincaré</a:t>
-            </a:r>
-            <a:r>
-              <a:rPr lang="en-US" sz="5400" dirty="0" smtClean="0"/>
-              <a:t> disc model</a:t>
+              <a:rPr lang="en-US" dirty="0" smtClean="0"/>
+              <a:t>Problem</a:t>
             </a:r>
             <a:endParaRPr lang="en-US" dirty="0"/>
           </a:p>
@@ -4680,152 +4823,12 @@
           <a:bodyPr/>
           <a:lstStyle/>
           <a:p>
+            <a:pPr>
+              <a:buNone/>
+            </a:pPr>
             <a:r>
               <a:rPr lang="en-US" dirty="0" smtClean="0"/>
-              <a:t>All points within the unit circle </a:t>
-            </a:r>
-            <a:r>
-              <a:rPr lang="el-GR" dirty="0" smtClean="0"/>
-              <a:t>Ω</a:t>
-            </a:r>
-            <a:r>
-              <a:rPr lang="en-US" dirty="0" smtClean="0"/>
-              <a:t> with the center at the origin</a:t>
-            </a:r>
-          </a:p>
-          <a:p>
-            <a:r>
-              <a:rPr lang="en-US" dirty="0" smtClean="0"/>
-              <a:t>Point: an ordered pair (</a:t>
-            </a:r>
-            <a:r>
-              <a:rPr lang="en-US" i="1" dirty="0" err="1" smtClean="0"/>
-              <a:t>a,b</a:t>
-            </a:r>
-            <a:r>
-              <a:rPr lang="en-US" dirty="0" smtClean="0"/>
-              <a:t>) of real numbers satisfying</a:t>
-            </a:r>
-          </a:p>
-          <a:p>
-            <a:endParaRPr lang="en-US" dirty="0" smtClean="0"/>
-          </a:p>
-          <a:p>
-            <a:endParaRPr lang="en-US" dirty="0" smtClean="0"/>
-          </a:p>
-          <a:p>
-            <a:r>
-              <a:rPr lang="en-US" dirty="0" smtClean="0"/>
-              <a:t>Line: points inside </a:t>
-            </a:r>
-            <a:r>
-              <a:rPr lang="el-GR" dirty="0" smtClean="0"/>
-              <a:t>Ω </a:t>
-            </a:r>
-            <a:r>
-              <a:rPr lang="en-US" dirty="0" smtClean="0"/>
-              <a:t>lying on a circle that meets the unit circle orthogonally</a:t>
-            </a:r>
-            <a:endParaRPr lang="en-US" dirty="0"/>
-          </a:p>
-        </p:txBody>
-      </p:sp>
-      <p:graphicFrame>
-        <p:nvGraphicFramePr>
-          <p:cNvPr id="4" name="Object 3"/>
-          <p:cNvGraphicFramePr>
-            <a:graphicFrameLocks noChangeAspect="1"/>
-          </p:cNvGraphicFramePr>
-          <p:nvPr/>
-        </p:nvGraphicFramePr>
-        <p:xfrm>
-          <a:off x="3124200" y="3429000"/>
-          <a:ext cx="2103438" cy="635000"/>
-        </p:xfrm>
-        <a:graphic>
-          <a:graphicData uri="http://schemas.openxmlformats.org/presentationml/2006/ole">
-            <p:oleObj spid="_x0000_s1026" name="Equation" r:id="rId4" imgW="672840" imgH="203040" progId="Equation.3">
-              <p:embed/>
-            </p:oleObj>
-          </a:graphicData>
-        </a:graphic>
-      </p:graphicFrame>
-    </p:spTree>
-  </p:cSld>
-  <p:clrMapOvr>
-    <a:masterClrMapping/>
-  </p:clrMapOvr>
-</p:sld>
-</file>
-
-<file path=ppt/slides/slide5.xml><?xml version="1.0" encoding="utf-8"?>
-<p:sld xmlns:a="http://schemas.openxmlformats.org/drawingml/2006/main" xmlns:r="http://schemas.openxmlformats.org/officeDocument/2006/relationships" xmlns:p="http://schemas.openxmlformats.org/presentationml/2006/main">
-  <p:cSld>
-    <p:spTree>
-      <p:nvGrpSpPr>
-        <p:cNvPr id="1" name=""/>
-        <p:cNvGrpSpPr/>
-        <p:nvPr/>
-      </p:nvGrpSpPr>
-      <p:grpSpPr>
-        <a:xfrm>
-          <a:off x="0" y="0"/>
-          <a:ext cx="0" cy="0"/>
-          <a:chOff x="0" y="0"/>
-          <a:chExt cx="0" cy="0"/>
-        </a:xfrm>
-      </p:grpSpPr>
-      <p:sp>
-        <p:nvSpPr>
-          <p:cNvPr id="2" name="Title 1"/>
-          <p:cNvSpPr>
-            <a:spLocks noGrp="1"/>
-          </p:cNvSpPr>
-          <p:nvPr>
-            <p:ph type="title"/>
-          </p:nvPr>
-        </p:nvSpPr>
-        <p:spPr/>
-        <p:txBody>
-          <a:bodyPr/>
-          <a:lstStyle/>
-          <a:p>
-            <a:r>
-              <a:rPr lang="en-US" dirty="0" smtClean="0"/>
-              <a:t>Riemannian manifolds</a:t>
-            </a:r>
-            <a:endParaRPr lang="en-US" dirty="0"/>
-          </a:p>
-        </p:txBody>
-      </p:sp>
-      <p:sp>
-        <p:nvSpPr>
-          <p:cNvPr id="3" name="Content Placeholder 2"/>
-          <p:cNvSpPr>
-            <a:spLocks noGrp="1"/>
-          </p:cNvSpPr>
-          <p:nvPr>
-            <p:ph idx="1"/>
-          </p:nvPr>
-        </p:nvSpPr>
-        <p:spPr/>
-        <p:txBody>
-          <a:bodyPr/>
-          <a:lstStyle/>
-          <a:p>
-            <a:r>
-              <a:rPr lang="en-US" dirty="0" smtClean="0"/>
-              <a:t>A surface differentiably embedded in 3-space by an isometry whose first and second derivatives are continuous</a:t>
-            </a:r>
-          </a:p>
-          <a:p>
-            <a:r>
-              <a:rPr lang="en-US" dirty="0" smtClean="0"/>
-              <a:t>Geometry is approximately Euclidean on a </a:t>
-            </a:r>
-            <a:r>
-              <a:rPr lang="en-US" smtClean="0"/>
-              <a:t>small scale</a:t>
+              <a:t>Studying hyperbolic geometry is easier with a physical model.</a:t>
             </a:r>
             <a:endParaRPr lang="en-US" dirty="0"/>
           </a:p>

--- a/hplanes.pptx
+++ b/hplanes.pptx
@@ -720,17 +720,40 @@
           <a:p>
             <a:r>
               <a:rPr lang="en-US" dirty="0" smtClean="0"/>
+              <a:t>Distortion:</a:t>
+            </a:r>
+            <a:r>
+              <a:rPr lang="en-US" baseline="0" dirty="0" smtClean="0"/>
+              <a:t> </a:t>
+            </a:r>
+            <a:r>
+              <a:rPr lang="en-US" baseline="0" dirty="0" err="1" smtClean="0"/>
+              <a:t>theorema</a:t>
+            </a:r>
+            <a:r>
+              <a:rPr lang="en-US" baseline="0" dirty="0" smtClean="0"/>
+              <a:t> </a:t>
+            </a:r>
+            <a:r>
+              <a:rPr lang="en-US" baseline="0" dirty="0" err="1" smtClean="0"/>
+              <a:t>egregium</a:t>
+            </a:r>
+            <a:r>
+              <a:rPr lang="en-US" baseline="0" dirty="0" smtClean="0"/>
+              <a:t>, same issue as the Greenland effect</a:t>
+            </a:r>
+            <a:endParaRPr lang="en-US" dirty="0" smtClean="0"/>
+          </a:p>
+          <a:p>
+            <a:r>
+              <a:rPr lang="en-US" dirty="0" smtClean="0"/>
               <a:t>Spherical</a:t>
             </a:r>
             <a:r>
               <a:rPr lang="en-US" baseline="0" dirty="0" smtClean="0"/>
-              <a:t> geometry: use the surface of </a:t>
-            </a:r>
-            <a:r>
-              <a:rPr lang="en-US" baseline="0" smtClean="0"/>
-              <a:t>a ball</a:t>
-            </a:r>
-            <a:endParaRPr lang="en-US"/>
+              <a:t> geometry: use the surface of a ball</a:t>
+            </a:r>
+            <a:endParaRPr lang="en-US" dirty="0"/>
           </a:p>
         </p:txBody>
       </p:sp>
@@ -4823,13 +4846,31 @@
           <a:bodyPr/>
           <a:lstStyle/>
           <a:p>
-            <a:pPr>
-              <a:buNone/>
-            </a:pPr>
             <a:r>
               <a:rPr lang="en-US" dirty="0" smtClean="0"/>
-              <a:t>Studying hyperbolic geometry is easier with a physical model.</a:t>
-            </a:r>
+              <a:t>The </a:t>
+            </a:r>
+            <a:r>
+              <a:rPr lang="en-US" dirty="0" err="1" smtClean="0"/>
+              <a:t>Poincaré</a:t>
+            </a:r>
+            <a:r>
+              <a:rPr lang="en-US" dirty="0" smtClean="0"/>
+              <a:t> disc and other models can be easily drawn on a Euclidean surface, but distort the geometry of the hyperbolic plane</a:t>
+            </a:r>
+          </a:p>
+          <a:p>
+            <a:r>
+              <a:rPr lang="en-US" dirty="0" smtClean="0"/>
+              <a:t>A physical surface is much easier </a:t>
+            </a:r>
+            <a:r>
+              <a:rPr lang="en-US" smtClean="0"/>
+              <a:t>to study</a:t>
+            </a:r>
+            <a:endParaRPr lang="en-US" dirty="0" smtClean="0"/>
+          </a:p>
+          <a:p>
             <a:endParaRPr lang="en-US" dirty="0"/>
           </a:p>
         </p:txBody>

--- a/hplanes.pptx
+++ b/hplanes.pptx
@@ -5,13 +5,15 @@
     <p:sldMasterId id="2147483660" r:id="rId1"/>
   </p:sldMasterIdLst>
   <p:notesMasterIdLst>
-    <p:notesMasterId r:id="rId6"/>
+    <p:notesMasterId r:id="rId8"/>
   </p:notesMasterIdLst>
   <p:sldIdLst>
     <p:sldId id="256" r:id="rId2"/>
     <p:sldId id="258" r:id="rId3"/>
     <p:sldId id="259" r:id="rId4"/>
     <p:sldId id="260" r:id="rId5"/>
+    <p:sldId id="261" r:id="rId6"/>
+    <p:sldId id="262" r:id="rId7"/>
   </p:sldIdLst>
   <p:sldSz cx="9144000" cy="6858000" type="screen4x3"/>
   <p:notesSz cx="6858000" cy="9144000"/>
@@ -775,6 +777,97 @@
             <a:fld id="{64A8B611-7969-4ED8-BAA6-733A94B518BB}" type="slidenum">
               <a:rPr lang="en-US" smtClean="0"/>
               <a:t>4</a:t>
+            </a:fld>
+            <a:endParaRPr lang="en-US"/>
+          </a:p>
+        </p:txBody>
+      </p:sp>
+    </p:spTree>
+  </p:cSld>
+  <p:clrMapOvr>
+    <a:masterClrMapping/>
+  </p:clrMapOvr>
+</p:notes>
+</file>
+
+<file path=ppt/notesSlides/notesSlide4.xml><?xml version="1.0" encoding="utf-8"?>
+<p:notes xmlns:a="http://schemas.openxmlformats.org/drawingml/2006/main" xmlns:r="http://schemas.openxmlformats.org/officeDocument/2006/relationships" xmlns:p="http://schemas.openxmlformats.org/presentationml/2006/main">
+  <p:cSld>
+    <p:spTree>
+      <p:nvGrpSpPr>
+        <p:cNvPr id="1" name=""/>
+        <p:cNvGrpSpPr/>
+        <p:nvPr/>
+      </p:nvGrpSpPr>
+      <p:grpSpPr>
+        <a:xfrm>
+          <a:off x="0" y="0"/>
+          <a:ext cx="0" cy="0"/>
+          <a:chOff x="0" y="0"/>
+          <a:chExt cx="0" cy="0"/>
+        </a:xfrm>
+      </p:grpSpPr>
+      <p:sp>
+        <p:nvSpPr>
+          <p:cNvPr id="2" name="Slide Image Placeholder 1"/>
+          <p:cNvSpPr>
+            <a:spLocks noGrp="1" noRot="1" noChangeAspect="1"/>
+          </p:cNvSpPr>
+          <p:nvPr>
+            <p:ph type="sldImg"/>
+          </p:nvPr>
+        </p:nvSpPr>
+        <p:spPr/>
+      </p:sp>
+      <p:sp>
+        <p:nvSpPr>
+          <p:cNvPr id="3" name="Notes Placeholder 2"/>
+          <p:cNvSpPr>
+            <a:spLocks noGrp="1"/>
+          </p:cNvSpPr>
+          <p:nvPr>
+            <p:ph type="body" idx="1"/>
+          </p:nvPr>
+        </p:nvSpPr>
+        <p:spPr/>
+        <p:txBody>
+          <a:bodyPr>
+            <a:normAutofit/>
+          </a:bodyPr>
+          <a:lstStyle/>
+          <a:p>
+            <a:r>
+              <a:rPr lang="en-US" dirty="0" smtClean="0"/>
+              <a:t>Paper-and-tape model, developed by William Thurston</a:t>
+            </a:r>
+          </a:p>
+          <a:p>
+            <a:r>
+              <a:rPr lang="en-US" dirty="0" smtClean="0"/>
+              <a:t>Very fragile</a:t>
+            </a:r>
+            <a:endParaRPr lang="en-US" dirty="0"/>
+          </a:p>
+        </p:txBody>
+      </p:sp>
+      <p:sp>
+        <p:nvSpPr>
+          <p:cNvPr id="4" name="Slide Number Placeholder 3"/>
+          <p:cNvSpPr>
+            <a:spLocks noGrp="1"/>
+          </p:cNvSpPr>
+          <p:nvPr>
+            <p:ph type="sldNum" sz="quarter" idx="10"/>
+          </p:nvPr>
+        </p:nvSpPr>
+        <p:spPr/>
+        <p:txBody>
+          <a:bodyPr/>
+          <a:lstStyle/>
+          <a:p>
+            <a:fld id="{64A8B611-7969-4ED8-BAA6-733A94B518BB}" type="slidenum">
+              <a:rPr lang="en-US" smtClean="0"/>
+              <a:t>5</a:t>
             </a:fld>
             <a:endParaRPr lang="en-US"/>
           </a:p>
@@ -4862,16 +4955,145 @@
           <a:p>
             <a:r>
               <a:rPr lang="en-US" dirty="0" smtClean="0"/>
-              <a:t>A physical surface is much easier </a:t>
-            </a:r>
-            <a:r>
-              <a:rPr lang="en-US" smtClean="0"/>
-              <a:t>to study</a:t>
-            </a:r>
-            <a:endParaRPr lang="en-US" dirty="0" smtClean="0"/>
+              <a:t>A physical surface is much easier to study</a:t>
+            </a:r>
           </a:p>
           <a:p>
             <a:endParaRPr lang="en-US" dirty="0"/>
+          </a:p>
+        </p:txBody>
+      </p:sp>
+    </p:spTree>
+  </p:cSld>
+  <p:clrMapOvr>
+    <a:masterClrMapping/>
+  </p:clrMapOvr>
+</p:sld>
+</file>
+
+<file path=ppt/slides/slide5.xml><?xml version="1.0" encoding="utf-8"?>
+<p:sld xmlns:a="http://schemas.openxmlformats.org/drawingml/2006/main" xmlns:r="http://schemas.openxmlformats.org/officeDocument/2006/relationships" xmlns:p="http://schemas.openxmlformats.org/presentationml/2006/main">
+  <p:cSld>
+    <p:spTree>
+      <p:nvGrpSpPr>
+        <p:cNvPr id="1" name=""/>
+        <p:cNvGrpSpPr/>
+        <p:nvPr/>
+      </p:nvGrpSpPr>
+      <p:grpSpPr>
+        <a:xfrm>
+          <a:off x="0" y="0"/>
+          <a:ext cx="0" cy="0"/>
+          <a:chOff x="0" y="0"/>
+          <a:chExt cx="0" cy="0"/>
+        </a:xfrm>
+      </p:grpSpPr>
+      <p:sp>
+        <p:nvSpPr>
+          <p:cNvPr id="2" name="Title 1"/>
+          <p:cNvSpPr>
+            <a:spLocks noGrp="1"/>
+          </p:cNvSpPr>
+          <p:nvPr>
+            <p:ph type="title"/>
+          </p:nvPr>
+        </p:nvSpPr>
+        <p:spPr/>
+        <p:txBody>
+          <a:bodyPr/>
+          <a:lstStyle/>
+          <a:p>
+            <a:r>
+              <a:rPr lang="en-US" dirty="0" smtClean="0"/>
+              <a:t>Initial solution</a:t>
+            </a:r>
+            <a:endParaRPr lang="en-US" dirty="0"/>
+          </a:p>
+        </p:txBody>
+      </p:sp>
+      <p:pic>
+        <p:nvPicPr>
+          <p:cNvPr id="4" name="Content Placeholder 3" descr="paper-plane.jpg"/>
+          <p:cNvPicPr>
+            <a:picLocks noGrp="1" noChangeAspect="1"/>
+          </p:cNvPicPr>
+          <p:nvPr>
+            <p:ph idx="1"/>
+          </p:nvPr>
+        </p:nvPicPr>
+        <p:blipFill>
+          <a:blip r:embed="rId3" cstate="print"/>
+          <a:stretch>
+            <a:fillRect/>
+          </a:stretch>
+        </p:blipFill>
+        <p:spPr>
+          <a:xfrm>
+            <a:off x="1828800" y="1828800"/>
+            <a:ext cx="5562600" cy="4127860"/>
+          </a:xfrm>
+        </p:spPr>
+      </p:pic>
+    </p:spTree>
+  </p:cSld>
+  <p:clrMapOvr>
+    <a:masterClrMapping/>
+  </p:clrMapOvr>
+</p:sld>
+</file>
+
+<file path=ppt/slides/slide6.xml><?xml version="1.0" encoding="utf-8"?>
+<p:sld xmlns:a="http://schemas.openxmlformats.org/drawingml/2006/main" xmlns:r="http://schemas.openxmlformats.org/officeDocument/2006/relationships" xmlns:p="http://schemas.openxmlformats.org/presentationml/2006/main">
+  <p:cSld>
+    <p:spTree>
+      <p:nvGrpSpPr>
+        <p:cNvPr id="1" name=""/>
+        <p:cNvGrpSpPr/>
+        <p:nvPr/>
+      </p:nvGrpSpPr>
+      <p:grpSpPr>
+        <a:xfrm>
+          <a:off x="0" y="0"/>
+          <a:ext cx="0" cy="0"/>
+          <a:chOff x="0" y="0"/>
+          <a:chExt cx="0" cy="0"/>
+        </a:xfrm>
+      </p:grpSpPr>
+      <p:sp>
+        <p:nvSpPr>
+          <p:cNvPr id="2" name="Title 1"/>
+          <p:cNvSpPr>
+            <a:spLocks noGrp="1"/>
+          </p:cNvSpPr>
+          <p:nvPr>
+            <p:ph type="title"/>
+          </p:nvPr>
+        </p:nvSpPr>
+        <p:spPr/>
+        <p:txBody>
+          <a:bodyPr/>
+          <a:lstStyle/>
+          <a:p>
+            <a:endParaRPr lang="en-US" dirty="0"/>
+          </a:p>
+        </p:txBody>
+      </p:sp>
+      <p:sp>
+        <p:nvSpPr>
+          <p:cNvPr id="3" name="Content Placeholder 2"/>
+          <p:cNvSpPr>
+            <a:spLocks noGrp="1"/>
+          </p:cNvSpPr>
+          <p:nvPr>
+            <p:ph idx="1"/>
+          </p:nvPr>
+        </p:nvSpPr>
+        <p:spPr/>
+        <p:txBody>
+          <a:bodyPr/>
+          <a:lstStyle/>
+          <a:p>
+            <a:endParaRPr lang="en-US"/>
           </a:p>
         </p:txBody>
       </p:sp>

--- a/hplanes.pptx
+++ b/hplanes.pptx
@@ -5,7 +5,7 @@
     <p:sldMasterId id="2147483660" r:id="rId1"/>
   </p:sldMasterIdLst>
   <p:notesMasterIdLst>
-    <p:notesMasterId r:id="rId8"/>
+    <p:notesMasterId r:id="rId9"/>
   </p:notesMasterIdLst>
   <p:sldIdLst>
     <p:sldId id="256" r:id="rId2"/>
@@ -14,6 +14,7 @@
     <p:sldId id="260" r:id="rId5"/>
     <p:sldId id="261" r:id="rId6"/>
     <p:sldId id="262" r:id="rId7"/>
+    <p:sldId id="263" r:id="rId8"/>
   </p:sldIdLst>
   <p:sldSz cx="9144000" cy="6858000" type="screen4x3"/>
   <p:notesSz cx="6858000" cy="9144000"/>
@@ -868,6 +869,111 @@
             <a:fld id="{64A8B611-7969-4ED8-BAA6-733A94B518BB}" type="slidenum">
               <a:rPr lang="en-US" smtClean="0"/>
               <a:t>5</a:t>
+            </a:fld>
+            <a:endParaRPr lang="en-US"/>
+          </a:p>
+        </p:txBody>
+      </p:sp>
+    </p:spTree>
+  </p:cSld>
+  <p:clrMapOvr>
+    <a:masterClrMapping/>
+  </p:clrMapOvr>
+</p:notes>
+</file>
+
+<file path=ppt/notesSlides/notesSlide5.xml><?xml version="1.0" encoding="utf-8"?>
+<p:notes xmlns:a="http://schemas.openxmlformats.org/drawingml/2006/main" xmlns:r="http://schemas.openxmlformats.org/officeDocument/2006/relationships" xmlns:p="http://schemas.openxmlformats.org/presentationml/2006/main">
+  <p:cSld>
+    <p:spTree>
+      <p:nvGrpSpPr>
+        <p:cNvPr id="1" name=""/>
+        <p:cNvGrpSpPr/>
+        <p:nvPr/>
+      </p:nvGrpSpPr>
+      <p:grpSpPr>
+        <a:xfrm>
+          <a:off x="0" y="0"/>
+          <a:ext cx="0" cy="0"/>
+          <a:chOff x="0" y="0"/>
+          <a:chExt cx="0" cy="0"/>
+        </a:xfrm>
+      </p:grpSpPr>
+      <p:sp>
+        <p:nvSpPr>
+          <p:cNvPr id="2" name="Slide Image Placeholder 1"/>
+          <p:cNvSpPr>
+            <a:spLocks noGrp="1" noRot="1" noChangeAspect="1"/>
+          </p:cNvSpPr>
+          <p:nvPr>
+            <p:ph type="sldImg"/>
+          </p:nvPr>
+        </p:nvSpPr>
+        <p:spPr/>
+      </p:sp>
+      <p:sp>
+        <p:nvSpPr>
+          <p:cNvPr id="3" name="Notes Placeholder 2"/>
+          <p:cNvSpPr>
+            <a:spLocks noGrp="1"/>
+          </p:cNvSpPr>
+          <p:nvPr>
+            <p:ph type="body" idx="1"/>
+          </p:nvPr>
+        </p:nvSpPr>
+        <p:spPr/>
+        <p:txBody>
+          <a:bodyPr>
+            <a:normAutofit/>
+          </a:bodyPr>
+          <a:lstStyle/>
+          <a:p>
+            <a:r>
+              <a:rPr lang="en-US" dirty="0" smtClean="0"/>
+              <a:t>Ratio of n:(n+1)</a:t>
+            </a:r>
+            <a:r>
+              <a:rPr lang="en-US" baseline="0" dirty="0" smtClean="0"/>
+              <a:t> determines radius</a:t>
+            </a:r>
+          </a:p>
+          <a:p>
+            <a:r>
+              <a:rPr lang="en-US" baseline="0" dirty="0" smtClean="0"/>
+              <a:t>My model: n = 8</a:t>
+            </a:r>
+          </a:p>
+          <a:p>
+            <a:r>
+              <a:rPr lang="en-US" baseline="0" dirty="0" err="1" smtClean="0"/>
+              <a:t>Pseudosphere</a:t>
+            </a:r>
+            <a:r>
+              <a:rPr lang="en-US" baseline="0" dirty="0" smtClean="0"/>
+              <a:t> has the same local geometry as the hyperbolic plane, but can’t be infinitely extended (Beltrami)</a:t>
+            </a:r>
+            <a:endParaRPr lang="en-US" dirty="0"/>
+          </a:p>
+        </p:txBody>
+      </p:sp>
+      <p:sp>
+        <p:nvSpPr>
+          <p:cNvPr id="4" name="Slide Number Placeholder 3"/>
+          <p:cNvSpPr>
+            <a:spLocks noGrp="1"/>
+          </p:cNvSpPr>
+          <p:nvPr>
+            <p:ph type="sldNum" sz="quarter" idx="10"/>
+          </p:nvPr>
+        </p:nvSpPr>
+        <p:spPr/>
+        <p:txBody>
+          <a:bodyPr/>
+          <a:lstStyle/>
+          <a:p>
+            <a:fld id="{64A8B611-7969-4ED8-BAA6-733A94B518BB}" type="slidenum">
+              <a:rPr lang="en-US" smtClean="0"/>
+              <a:t>6</a:t>
             </a:fld>
             <a:endParaRPr lang="en-US"/>
           </a:p>
@@ -5074,6 +5180,10 @@
           <a:bodyPr/>
           <a:lstStyle/>
           <a:p>
+            <a:r>
+              <a:rPr lang="en-US" dirty="0" smtClean="0"/>
+              <a:t>Basic crocheted plane</a:t>
+            </a:r>
             <a:endParaRPr lang="en-US" dirty="0"/>
           </a:p>
         </p:txBody>
@@ -5093,10 +5203,132 @@
           <a:bodyPr/>
           <a:lstStyle/>
           <a:p>
-            <a:endParaRPr lang="en-US"/>
-          </a:p>
-        </p:txBody>
-      </p:sp>
+            <a:r>
+              <a:rPr lang="en-US" dirty="0" smtClean="0"/>
+              <a:t>Start with a few stitches</a:t>
+            </a:r>
+          </a:p>
+          <a:p>
+            <a:r>
+              <a:rPr lang="en-US" dirty="0" smtClean="0"/>
+              <a:t>For each row, increase every </a:t>
+            </a:r>
+            <a:r>
+              <a:rPr lang="en-US" i="1" dirty="0" smtClean="0"/>
+              <a:t>n</a:t>
+            </a:r>
+            <a:r>
+              <a:rPr lang="en-US" dirty="0" smtClean="0"/>
+              <a:t> stitches</a:t>
+            </a:r>
+          </a:p>
+          <a:p>
+            <a:r>
+              <a:rPr lang="en-US" dirty="0" smtClean="0"/>
+              <a:t>Repeat until the model is big enough</a:t>
+            </a:r>
+          </a:p>
+          <a:p>
+            <a:r>
+              <a:rPr lang="en-US" dirty="0" smtClean="0"/>
+              <a:t>Alternatives</a:t>
+            </a:r>
+          </a:p>
+          <a:p>
+            <a:pPr lvl="1"/>
+            <a:r>
+              <a:rPr lang="en-US" dirty="0" err="1" smtClean="0"/>
+              <a:t>Pseudosphere</a:t>
+            </a:r>
+            <a:r>
+              <a:rPr lang="en-US" dirty="0" smtClean="0"/>
+              <a:t>: work in the round</a:t>
+            </a:r>
+          </a:p>
+          <a:p>
+            <a:pPr lvl="1"/>
+            <a:r>
+              <a:rPr lang="en-US" dirty="0" smtClean="0"/>
+              <a:t>Symmetric hyperbolic plane</a:t>
+            </a:r>
+          </a:p>
+          <a:p>
+            <a:pPr lvl="1"/>
+            <a:endParaRPr lang="en-US" dirty="0"/>
+          </a:p>
+        </p:txBody>
+      </p:sp>
+    </p:spTree>
+  </p:cSld>
+  <p:clrMapOvr>
+    <a:masterClrMapping/>
+  </p:clrMapOvr>
+</p:sld>
+</file>
+
+<file path=ppt/slides/slide7.xml><?xml version="1.0" encoding="utf-8"?>
+<p:sld xmlns:a="http://schemas.openxmlformats.org/drawingml/2006/main" xmlns:r="http://schemas.openxmlformats.org/officeDocument/2006/relationships" xmlns:p="http://schemas.openxmlformats.org/presentationml/2006/main">
+  <p:cSld>
+    <p:spTree>
+      <p:nvGrpSpPr>
+        <p:cNvPr id="1" name=""/>
+        <p:cNvGrpSpPr/>
+        <p:nvPr/>
+      </p:nvGrpSpPr>
+      <p:grpSpPr>
+        <a:xfrm>
+          <a:off x="0" y="0"/>
+          <a:ext cx="0" cy="0"/>
+          <a:chOff x="0" y="0"/>
+          <a:chExt cx="0" cy="0"/>
+        </a:xfrm>
+      </p:grpSpPr>
+      <p:sp>
+        <p:nvSpPr>
+          <p:cNvPr id="2" name="Title 1"/>
+          <p:cNvSpPr>
+            <a:spLocks noGrp="1"/>
+          </p:cNvSpPr>
+          <p:nvPr>
+            <p:ph type="title"/>
+          </p:nvPr>
+        </p:nvSpPr>
+        <p:spPr/>
+        <p:txBody>
+          <a:bodyPr/>
+          <a:lstStyle/>
+          <a:p>
+            <a:r>
+              <a:rPr lang="en-US" dirty="0" err="1" smtClean="0"/>
+              <a:t>Pseudosphere</a:t>
+            </a:r>
+            <a:endParaRPr lang="en-US" dirty="0"/>
+          </a:p>
+        </p:txBody>
+      </p:sp>
+      <p:pic>
+        <p:nvPicPr>
+          <p:cNvPr id="4" name="Content Placeholder 3" descr="Pseudosphere.jpg"/>
+          <p:cNvPicPr>
+            <a:picLocks noGrp="1" noChangeAspect="1"/>
+          </p:cNvPicPr>
+          <p:nvPr>
+            <p:ph idx="1"/>
+          </p:nvPr>
+        </p:nvPicPr>
+        <p:blipFill>
+          <a:blip r:embed="rId2" cstate="print"/>
+          <a:stretch>
+            <a:fillRect/>
+          </a:stretch>
+        </p:blipFill>
+        <p:spPr>
+          <a:xfrm>
+            <a:off x="3300412" y="2034381"/>
+            <a:ext cx="2543175" cy="4191000"/>
+          </a:xfrm>
+        </p:spPr>
+      </p:pic>
     </p:spTree>
   </p:cSld>
   <p:clrMapOvr>

--- a/hplanes.pptx
+++ b/hplanes.pptx
@@ -930,6 +930,17 @@
           <a:p>
             <a:r>
               <a:rPr lang="en-US" dirty="0" smtClean="0"/>
+              <a:t>work</a:t>
+            </a:r>
+            <a:r>
+              <a:rPr lang="en-US" baseline="0" dirty="0" smtClean="0"/>
+              <a:t> all stitches as single crochet</a:t>
+            </a:r>
+            <a:endParaRPr lang="en-US" dirty="0" smtClean="0"/>
+          </a:p>
+          <a:p>
+            <a:r>
+              <a:rPr lang="en-US" dirty="0" smtClean="0"/>
               <a:t>Ratio of n:(n+1)</a:t>
             </a:r>
             <a:r>
@@ -952,6 +963,19 @@
               <a:rPr lang="en-US" baseline="0" dirty="0" smtClean="0"/>
               <a:t> has the same local geometry as the hyperbolic plane, but can’t be infinitely extended (Beltrami)</a:t>
             </a:r>
+          </a:p>
+          <a:p>
+            <a:r>
+              <a:rPr lang="en-US" baseline="0" dirty="0" smtClean="0"/>
+              <a:t>Symmetric plane: do some calculations based on height/width of a stitch to be sure the curvature is constant, work in </a:t>
+            </a:r>
+            <a:r>
+              <a:rPr lang="en-US" baseline="0" smtClean="0"/>
+              <a:t>the round</a:t>
+            </a:r>
+            <a:endParaRPr lang="en-US" baseline="0" dirty="0" smtClean="0"/>
+          </a:p>
+          <a:p>
             <a:endParaRPr lang="en-US" dirty="0"/>
           </a:p>
         </p:txBody>

--- a/hplanes.pptx
+++ b/hplanes.pptx
@@ -5,7 +5,7 @@
     <p:sldMasterId id="2147483660" r:id="rId1"/>
   </p:sldMasterIdLst>
   <p:notesMasterIdLst>
-    <p:notesMasterId r:id="rId9"/>
+    <p:notesMasterId r:id="rId10"/>
   </p:notesMasterIdLst>
   <p:sldIdLst>
     <p:sldId id="256" r:id="rId2"/>
@@ -15,6 +15,7 @@
     <p:sldId id="261" r:id="rId6"/>
     <p:sldId id="262" r:id="rId7"/>
     <p:sldId id="263" r:id="rId8"/>
+    <p:sldId id="264" r:id="rId9"/>
   </p:sldIdLst>
   <p:sldSz cx="9144000" cy="6858000" type="screen4x3"/>
   <p:notesSz cx="6858000" cy="9144000"/>
@@ -967,13 +968,8 @@
           <a:p>
             <a:r>
               <a:rPr lang="en-US" baseline="0" dirty="0" smtClean="0"/>
-              <a:t>Symmetric plane: do some calculations based on height/width of a stitch to be sure the curvature is constant, work in </a:t>
-            </a:r>
-            <a:r>
-              <a:rPr lang="en-US" baseline="0" smtClean="0"/>
-              <a:t>the round</a:t>
-            </a:r>
-            <a:endParaRPr lang="en-US" baseline="0" dirty="0" smtClean="0"/>
+              <a:t>Symmetric plane: do some calculations based on height/width of a stitch to be sure the curvature is constant, work in the round</a:t>
+            </a:r>
           </a:p>
           <a:p>
             <a:endParaRPr lang="en-US" dirty="0"/>
@@ -998,6 +994,95 @@
             <a:fld id="{64A8B611-7969-4ED8-BAA6-733A94B518BB}" type="slidenum">
               <a:rPr lang="en-US" smtClean="0"/>
               <a:t>6</a:t>
+            </a:fld>
+            <a:endParaRPr lang="en-US"/>
+          </a:p>
+        </p:txBody>
+      </p:sp>
+    </p:spTree>
+  </p:cSld>
+  <p:clrMapOvr>
+    <a:masterClrMapping/>
+  </p:clrMapOvr>
+</p:notes>
+</file>
+
+<file path=ppt/notesSlides/notesSlide6.xml><?xml version="1.0" encoding="utf-8"?>
+<p:notes xmlns:a="http://schemas.openxmlformats.org/drawingml/2006/main" xmlns:r="http://schemas.openxmlformats.org/officeDocument/2006/relationships" xmlns:p="http://schemas.openxmlformats.org/presentationml/2006/main">
+  <p:cSld>
+    <p:spTree>
+      <p:nvGrpSpPr>
+        <p:cNvPr id="1" name=""/>
+        <p:cNvGrpSpPr/>
+        <p:nvPr/>
+      </p:nvGrpSpPr>
+      <p:grpSpPr>
+        <a:xfrm>
+          <a:off x="0" y="0"/>
+          <a:ext cx="0" cy="0"/>
+          <a:chOff x="0" y="0"/>
+          <a:chExt cx="0" cy="0"/>
+        </a:xfrm>
+      </p:grpSpPr>
+      <p:sp>
+        <p:nvSpPr>
+          <p:cNvPr id="2" name="Slide Image Placeholder 1"/>
+          <p:cNvSpPr>
+            <a:spLocks noGrp="1" noRot="1" noChangeAspect="1"/>
+          </p:cNvSpPr>
+          <p:nvPr>
+            <p:ph type="sldImg"/>
+          </p:nvPr>
+        </p:nvSpPr>
+        <p:spPr/>
+      </p:sp>
+      <p:sp>
+        <p:nvSpPr>
+          <p:cNvPr id="3" name="Notes Placeholder 2"/>
+          <p:cNvSpPr>
+            <a:spLocks noGrp="1"/>
+          </p:cNvSpPr>
+          <p:nvPr>
+            <p:ph type="body" idx="1"/>
+          </p:nvPr>
+        </p:nvSpPr>
+        <p:spPr/>
+        <p:txBody>
+          <a:bodyPr>
+            <a:normAutofit/>
+          </a:bodyPr>
+          <a:lstStyle/>
+          <a:p>
+            <a:r>
+              <a:rPr lang="en-US" dirty="0" smtClean="0"/>
+              <a:t>Exponential growth: length </a:t>
+            </a:r>
+            <a:r>
+              <a:rPr lang="en-US" smtClean="0"/>
+              <a:t>of row/round</a:t>
+            </a:r>
+            <a:endParaRPr lang="en-US" dirty="0"/>
+          </a:p>
+        </p:txBody>
+      </p:sp>
+      <p:sp>
+        <p:nvSpPr>
+          <p:cNvPr id="4" name="Slide Number Placeholder 3"/>
+          <p:cNvSpPr>
+            <a:spLocks noGrp="1"/>
+          </p:cNvSpPr>
+          <p:nvPr>
+            <p:ph type="sldNum" sz="quarter" idx="10"/>
+          </p:nvPr>
+        </p:nvSpPr>
+        <p:spPr/>
+        <p:txBody>
+          <a:bodyPr/>
+          <a:lstStyle/>
+          <a:p>
+            <a:fld id="{64A8B611-7969-4ED8-BAA6-733A94B518BB}" type="slidenum">
+              <a:rPr lang="en-US" smtClean="0"/>
+              <a:t>8</a:t>
             </a:fld>
             <a:endParaRPr lang="en-US"/>
           </a:p>
@@ -5353,6 +5438,91 @@
           </a:xfrm>
         </p:spPr>
       </p:pic>
+    </p:spTree>
+  </p:cSld>
+  <p:clrMapOvr>
+    <a:masterClrMapping/>
+  </p:clrMapOvr>
+</p:sld>
+</file>
+
+<file path=ppt/slides/slide8.xml><?xml version="1.0" encoding="utf-8"?>
+<p:sld xmlns:a="http://schemas.openxmlformats.org/drawingml/2006/main" xmlns:r="http://schemas.openxmlformats.org/officeDocument/2006/relationships" xmlns:p="http://schemas.openxmlformats.org/presentationml/2006/main">
+  <p:cSld>
+    <p:spTree>
+      <p:nvGrpSpPr>
+        <p:cNvPr id="1" name=""/>
+        <p:cNvGrpSpPr/>
+        <p:nvPr/>
+      </p:nvGrpSpPr>
+      <p:grpSpPr>
+        <a:xfrm>
+          <a:off x="0" y="0"/>
+          <a:ext cx="0" cy="0"/>
+          <a:chOff x="0" y="0"/>
+          <a:chExt cx="0" cy="0"/>
+        </a:xfrm>
+      </p:grpSpPr>
+      <p:sp>
+        <p:nvSpPr>
+          <p:cNvPr id="2" name="Title 1"/>
+          <p:cNvSpPr>
+            <a:spLocks noGrp="1"/>
+          </p:cNvSpPr>
+          <p:nvPr>
+            <p:ph type="title"/>
+          </p:nvPr>
+        </p:nvSpPr>
+        <p:spPr/>
+        <p:txBody>
+          <a:bodyPr>
+            <a:normAutofit fontScale="90000"/>
+          </a:bodyPr>
+          <a:lstStyle/>
+          <a:p>
+            <a:r>
+              <a:rPr lang="en-US" dirty="0" smtClean="0"/>
+              <a:t>Limitations of the crocheted model</a:t>
+            </a:r>
+            <a:endParaRPr lang="en-US" dirty="0"/>
+          </a:p>
+        </p:txBody>
+      </p:sp>
+      <p:sp>
+        <p:nvSpPr>
+          <p:cNvPr id="3" name="Content Placeholder 2"/>
+          <p:cNvSpPr>
+            <a:spLocks noGrp="1"/>
+          </p:cNvSpPr>
+          <p:nvPr>
+            <p:ph idx="1"/>
+          </p:nvPr>
+        </p:nvSpPr>
+        <p:spPr/>
+        <p:txBody>
+          <a:bodyPr/>
+          <a:lstStyle/>
+          <a:p>
+            <a:r>
+              <a:rPr lang="en-US" dirty="0" smtClean="0"/>
+              <a:t>Cannot infinitely extend it</a:t>
+            </a:r>
+          </a:p>
+          <a:p>
+            <a:r>
+              <a:rPr lang="en-US" dirty="0" smtClean="0"/>
+              <a:t>Exponential growth</a:t>
+            </a:r>
+          </a:p>
+          <a:p>
+            <a:r>
+              <a:rPr lang="en-US" smtClean="0"/>
+              <a:t>An approximation at best</a:t>
+            </a:r>
+            <a:endParaRPr lang="en-US" dirty="0"/>
+          </a:p>
+        </p:txBody>
+      </p:sp>
     </p:spTree>
   </p:cSld>
   <p:clrMapOvr>

--- a/hplanes.pptx
+++ b/hplanes.pptx
@@ -5,7 +5,7 @@
     <p:sldMasterId id="2147483660" r:id="rId1"/>
   </p:sldMasterIdLst>
   <p:notesMasterIdLst>
-    <p:notesMasterId r:id="rId10"/>
+    <p:notesMasterId r:id="rId12"/>
   </p:notesMasterIdLst>
   <p:sldIdLst>
     <p:sldId id="256" r:id="rId2"/>
@@ -16,6 +16,8 @@
     <p:sldId id="262" r:id="rId7"/>
     <p:sldId id="263" r:id="rId8"/>
     <p:sldId id="264" r:id="rId9"/>
+    <p:sldId id="265" r:id="rId10"/>
+    <p:sldId id="266" r:id="rId11"/>
   </p:sldIdLst>
   <p:sldSz cx="9144000" cy="6858000" type="screen4x3"/>
   <p:notesSz cx="6858000" cy="9144000"/>
@@ -1055,11 +1057,7 @@
           <a:p>
             <a:r>
               <a:rPr lang="en-US" dirty="0" smtClean="0"/>
-              <a:t>Exponential growth: length </a:t>
-            </a:r>
-            <a:r>
-              <a:rPr lang="en-US" smtClean="0"/>
-              <a:t>of row/round</a:t>
+              <a:t>Exponential growth: length of row/round</a:t>
             </a:r>
             <a:endParaRPr lang="en-US" dirty="0"/>
           </a:p>
@@ -1083,6 +1081,99 @@
             <a:fld id="{64A8B611-7969-4ED8-BAA6-733A94B518BB}" type="slidenum">
               <a:rPr lang="en-US" smtClean="0"/>
               <a:t>8</a:t>
+            </a:fld>
+            <a:endParaRPr lang="en-US"/>
+          </a:p>
+        </p:txBody>
+      </p:sp>
+    </p:spTree>
+  </p:cSld>
+  <p:clrMapOvr>
+    <a:masterClrMapping/>
+  </p:clrMapOvr>
+</p:notes>
+</file>
+
+<file path=ppt/notesSlides/notesSlide7.xml><?xml version="1.0" encoding="utf-8"?>
+<p:notes xmlns:a="http://schemas.openxmlformats.org/drawingml/2006/main" xmlns:r="http://schemas.openxmlformats.org/officeDocument/2006/relationships" xmlns:p="http://schemas.openxmlformats.org/presentationml/2006/main">
+  <p:cSld>
+    <p:spTree>
+      <p:nvGrpSpPr>
+        <p:cNvPr id="1" name=""/>
+        <p:cNvGrpSpPr/>
+        <p:nvPr/>
+      </p:nvGrpSpPr>
+      <p:grpSpPr>
+        <a:xfrm>
+          <a:off x="0" y="0"/>
+          <a:ext cx="0" cy="0"/>
+          <a:chOff x="0" y="0"/>
+          <a:chExt cx="0" cy="0"/>
+        </a:xfrm>
+      </p:grpSpPr>
+      <p:sp>
+        <p:nvSpPr>
+          <p:cNvPr id="2" name="Slide Image Placeholder 1"/>
+          <p:cNvSpPr>
+            <a:spLocks noGrp="1" noRot="1" noChangeAspect="1"/>
+          </p:cNvSpPr>
+          <p:nvPr>
+            <p:ph type="sldImg"/>
+          </p:nvPr>
+        </p:nvSpPr>
+        <p:spPr/>
+      </p:sp>
+      <p:sp>
+        <p:nvSpPr>
+          <p:cNvPr id="3" name="Notes Placeholder 2"/>
+          <p:cNvSpPr>
+            <a:spLocks noGrp="1"/>
+          </p:cNvSpPr>
+          <p:nvPr>
+            <p:ph type="body" idx="1"/>
+          </p:nvPr>
+        </p:nvSpPr>
+        <p:spPr/>
+        <p:txBody>
+          <a:bodyPr>
+            <a:normAutofit/>
+          </a:bodyPr>
+          <a:lstStyle/>
+          <a:p>
+            <a:r>
+              <a:rPr lang="en-US" dirty="0" err="1" smtClean="0"/>
+              <a:t>Daina</a:t>
+            </a:r>
+            <a:r>
+              <a:rPr lang="en-US" dirty="0" smtClean="0"/>
+              <a:t> </a:t>
+            </a:r>
+            <a:r>
+              <a:rPr lang="en-US" dirty="0" err="1" smtClean="0"/>
+              <a:t>Taimina</a:t>
+            </a:r>
+            <a:endParaRPr lang="en-US" dirty="0"/>
+          </a:p>
+        </p:txBody>
+      </p:sp>
+      <p:sp>
+        <p:nvSpPr>
+          <p:cNvPr id="4" name="Slide Number Placeholder 3"/>
+          <p:cNvSpPr>
+            <a:spLocks noGrp="1"/>
+          </p:cNvSpPr>
+          <p:nvPr>
+            <p:ph type="sldNum" sz="quarter" idx="10"/>
+          </p:nvPr>
+        </p:nvSpPr>
+        <p:spPr/>
+        <p:txBody>
+          <a:bodyPr/>
+          <a:lstStyle/>
+          <a:p>
+            <a:fld id="{64A8B611-7969-4ED8-BAA6-733A94B518BB}" type="slidenum">
+              <a:rPr lang="en-US" smtClean="0"/>
+              <a:t>9</a:t>
             </a:fld>
             <a:endParaRPr lang="en-US"/>
           </a:p>
@@ -4914,6 +5005,77 @@
 </p:sld>
 </file>
 
+<file path=ppt/slides/slide10.xml><?xml version="1.0" encoding="utf-8"?>
+<p:sld xmlns:a="http://schemas.openxmlformats.org/drawingml/2006/main" xmlns:r="http://schemas.openxmlformats.org/officeDocument/2006/relationships" xmlns:p="http://schemas.openxmlformats.org/presentationml/2006/main">
+  <p:cSld>
+    <p:spTree>
+      <p:nvGrpSpPr>
+        <p:cNvPr id="1" name=""/>
+        <p:cNvGrpSpPr/>
+        <p:nvPr/>
+      </p:nvGrpSpPr>
+      <p:grpSpPr>
+        <a:xfrm>
+          <a:off x="0" y="0"/>
+          <a:ext cx="0" cy="0"/>
+          <a:chOff x="0" y="0"/>
+          <a:chExt cx="0" cy="0"/>
+        </a:xfrm>
+      </p:grpSpPr>
+      <p:pic>
+        <p:nvPicPr>
+          <p:cNvPr id="5" name="Content Placeholder 4" descr="wool2.jpg"/>
+          <p:cNvPicPr>
+            <a:picLocks noGrp="1" noChangeAspect="1"/>
+          </p:cNvPicPr>
+          <p:nvPr>
+            <p:ph sz="half" idx="1"/>
+          </p:nvPr>
+        </p:nvPicPr>
+        <p:blipFill>
+          <a:blip r:embed="rId2" cstate="print"/>
+          <a:stretch>
+            <a:fillRect/>
+          </a:stretch>
+        </p:blipFill>
+        <p:spPr>
+          <a:xfrm>
+            <a:off x="457200" y="2463788"/>
+            <a:ext cx="4038600" cy="3348062"/>
+          </a:xfrm>
+        </p:spPr>
+      </p:pic>
+      <p:pic>
+        <p:nvPicPr>
+          <p:cNvPr id="6" name="Content Placeholder 5" descr="hp2.jpg"/>
+          <p:cNvPicPr>
+            <a:picLocks noGrp="1" noChangeAspect="1"/>
+          </p:cNvPicPr>
+          <p:nvPr>
+            <p:ph sz="half" idx="2"/>
+          </p:nvPr>
+        </p:nvPicPr>
+        <p:blipFill>
+          <a:blip r:embed="rId3" cstate="print"/>
+          <a:stretch>
+            <a:fillRect/>
+          </a:stretch>
+        </p:blipFill>
+        <p:spPr>
+          <a:xfrm>
+            <a:off x="4542744" y="2209800"/>
+            <a:ext cx="3862874" cy="3505200"/>
+          </a:xfrm>
+        </p:spPr>
+      </p:pic>
+    </p:spTree>
+  </p:cSld>
+  <p:clrMapOvr>
+    <a:masterClrMapping/>
+  </p:clrMapOvr>
+</p:sld>
+</file>
+
 <file path=ppt/slides/slide2.xml><?xml version="1.0" encoding="utf-8"?>
 <p:sld xmlns:a="http://schemas.openxmlformats.org/drawingml/2006/main" xmlns:r="http://schemas.openxmlformats.org/officeDocument/2006/relationships" xmlns:p="http://schemas.openxmlformats.org/presentationml/2006/main">
   <p:cSld>
@@ -5516,13 +5678,84 @@
           </a:p>
           <a:p>
             <a:r>
-              <a:rPr lang="en-US" smtClean="0"/>
+              <a:rPr lang="en-US" dirty="0" smtClean="0"/>
               <a:t>An approximation at best</a:t>
             </a:r>
             <a:endParaRPr lang="en-US" dirty="0"/>
           </a:p>
         </p:txBody>
       </p:sp>
+    </p:spTree>
+  </p:cSld>
+  <p:clrMapOvr>
+    <a:masterClrMapping/>
+  </p:clrMapOvr>
+</p:sld>
+</file>
+
+<file path=ppt/slides/slide9.xml><?xml version="1.0" encoding="utf-8"?>
+<p:sld xmlns:a="http://schemas.openxmlformats.org/drawingml/2006/main" xmlns:r="http://schemas.openxmlformats.org/officeDocument/2006/relationships" xmlns:p="http://schemas.openxmlformats.org/presentationml/2006/main">
+  <p:cSld>
+    <p:spTree>
+      <p:nvGrpSpPr>
+        <p:cNvPr id="1" name=""/>
+        <p:cNvGrpSpPr/>
+        <p:nvPr/>
+      </p:nvGrpSpPr>
+      <p:grpSpPr>
+        <a:xfrm>
+          <a:off x="0" y="0"/>
+          <a:ext cx="0" cy="0"/>
+          <a:chOff x="0" y="0"/>
+          <a:chExt cx="0" cy="0"/>
+        </a:xfrm>
+      </p:grpSpPr>
+      <p:pic>
+        <p:nvPicPr>
+          <p:cNvPr id="5" name="Content Placeholder 4" descr="4x100.jpg"/>
+          <p:cNvPicPr>
+            <a:picLocks noGrp="1" noChangeAspect="1"/>
+          </p:cNvPicPr>
+          <p:nvPr>
+            <p:ph sz="half" idx="1"/>
+          </p:nvPr>
+        </p:nvPicPr>
+        <p:blipFill>
+          <a:blip r:embed="rId3" cstate="print"/>
+          <a:stretch>
+            <a:fillRect/>
+          </a:stretch>
+        </p:blipFill>
+        <p:spPr>
+          <a:xfrm>
+            <a:off x="457200" y="2229580"/>
+            <a:ext cx="4038600" cy="3816477"/>
+          </a:xfrm>
+        </p:spPr>
+      </p:pic>
+      <p:pic>
+        <p:nvPicPr>
+          <p:cNvPr id="6" name="Content Placeholder 5" descr="orange.jpg"/>
+          <p:cNvPicPr>
+            <a:picLocks noGrp="1" noChangeAspect="1"/>
+          </p:cNvPicPr>
+          <p:nvPr>
+            <p:ph sz="half" idx="2"/>
+          </p:nvPr>
+        </p:nvPicPr>
+        <p:blipFill>
+          <a:blip r:embed="rId4" cstate="print"/>
+          <a:stretch>
+            <a:fillRect/>
+          </a:stretch>
+        </p:blipFill>
+        <p:spPr>
+          <a:xfrm>
+            <a:off x="4648200" y="2319690"/>
+            <a:ext cx="4038600" cy="3636258"/>
+          </a:xfrm>
+        </p:spPr>
+      </p:pic>
     </p:spTree>
   </p:cSld>
   <p:clrMapOvr>

--- a/hplanes.pptx
+++ b/hplanes.pptx
@@ -1152,6 +1152,17 @@
               <a:rPr lang="en-US" dirty="0" err="1" smtClean="0"/>
               <a:t>Taimina</a:t>
             </a:r>
+            <a:endParaRPr lang="en-US" dirty="0" smtClean="0"/>
+          </a:p>
+          <a:p>
+            <a:r>
+              <a:rPr lang="en-US" dirty="0" smtClean="0"/>
+              <a:t>Each shade</a:t>
+            </a:r>
+            <a:r>
+              <a:rPr lang="en-US" baseline="0" dirty="0" smtClean="0"/>
+              <a:t> of purple is 100m of yarn</a:t>
+            </a:r>
             <a:endParaRPr lang="en-US" dirty="0"/>
           </a:p>
         </p:txBody>
@@ -1174,6 +1185,109 @@
             <a:fld id="{64A8B611-7969-4ED8-BAA6-733A94B518BB}" type="slidenum">
               <a:rPr lang="en-US" smtClean="0"/>
               <a:t>9</a:t>
+            </a:fld>
+            <a:endParaRPr lang="en-US"/>
+          </a:p>
+        </p:txBody>
+      </p:sp>
+    </p:spTree>
+  </p:cSld>
+  <p:clrMapOvr>
+    <a:masterClrMapping/>
+  </p:clrMapOvr>
+</p:notes>
+</file>
+
+<file path=ppt/notesSlides/notesSlide8.xml><?xml version="1.0" encoding="utf-8"?>
+<p:notes xmlns:a="http://schemas.openxmlformats.org/drawingml/2006/main" xmlns:r="http://schemas.openxmlformats.org/officeDocument/2006/relationships" xmlns:p="http://schemas.openxmlformats.org/presentationml/2006/main">
+  <p:cSld>
+    <p:spTree>
+      <p:nvGrpSpPr>
+        <p:cNvPr id="1" name=""/>
+        <p:cNvGrpSpPr/>
+        <p:nvPr/>
+      </p:nvGrpSpPr>
+      <p:grpSpPr>
+        <a:xfrm>
+          <a:off x="0" y="0"/>
+          <a:ext cx="0" cy="0"/>
+          <a:chOff x="0" y="0"/>
+          <a:chExt cx="0" cy="0"/>
+        </a:xfrm>
+      </p:grpSpPr>
+      <p:sp>
+        <p:nvSpPr>
+          <p:cNvPr id="2" name="Slide Image Placeholder 1"/>
+          <p:cNvSpPr>
+            <a:spLocks noGrp="1" noRot="1" noChangeAspect="1"/>
+          </p:cNvSpPr>
+          <p:nvPr>
+            <p:ph type="sldImg"/>
+          </p:nvPr>
+        </p:nvSpPr>
+        <p:spPr/>
+      </p:sp>
+      <p:sp>
+        <p:nvSpPr>
+          <p:cNvPr id="3" name="Notes Placeholder 2"/>
+          <p:cNvSpPr>
+            <a:spLocks noGrp="1"/>
+          </p:cNvSpPr>
+          <p:nvPr>
+            <p:ph type="body" idx="1"/>
+          </p:nvPr>
+        </p:nvSpPr>
+        <p:spPr/>
+        <p:txBody>
+          <a:bodyPr>
+            <a:normAutofit/>
+          </a:bodyPr>
+          <a:lstStyle/>
+          <a:p>
+            <a:r>
+              <a:rPr lang="en-US" dirty="0" smtClean="0"/>
+              <a:t>Brown = symmetric</a:t>
+            </a:r>
+          </a:p>
+          <a:p>
+            <a:r>
+              <a:rPr lang="en-US" dirty="0" smtClean="0"/>
+              <a:t>Rainbow</a:t>
+            </a:r>
+            <a:r>
+              <a:rPr lang="en-US" baseline="0" dirty="0" smtClean="0"/>
+              <a:t> = </a:t>
+            </a:r>
+            <a:r>
+              <a:rPr lang="en-US" baseline="0" dirty="0" err="1" smtClean="0"/>
+              <a:t>pseudosphere</a:t>
+            </a:r>
+            <a:r>
+              <a:rPr lang="en-US" baseline="0" smtClean="0"/>
+              <a:t> with 11:12 ratio</a:t>
+            </a:r>
+            <a:endParaRPr lang="en-US" dirty="0"/>
+          </a:p>
+        </p:txBody>
+      </p:sp>
+      <p:sp>
+        <p:nvSpPr>
+          <p:cNvPr id="4" name="Slide Number Placeholder 3"/>
+          <p:cNvSpPr>
+            <a:spLocks noGrp="1"/>
+          </p:cNvSpPr>
+          <p:nvPr>
+            <p:ph type="sldNum" sz="quarter" idx="10"/>
+          </p:nvPr>
+        </p:nvSpPr>
+        <p:spPr/>
+        <p:txBody>
+          <a:bodyPr/>
+          <a:lstStyle/>
+          <a:p>
+            <a:fld id="{64A8B611-7969-4ED8-BAA6-733A94B518BB}" type="slidenum">
+              <a:rPr lang="en-US" smtClean="0"/>
+              <a:t>10</a:t>
             </a:fld>
             <a:endParaRPr lang="en-US"/>
           </a:p>
@@ -5033,7 +5147,7 @@
           </p:nvPr>
         </p:nvPicPr>
         <p:blipFill>
-          <a:blip r:embed="rId2" cstate="print"/>
+          <a:blip r:embed="rId3" cstate="print"/>
           <a:stretch>
             <a:fillRect/>
           </a:stretch>
@@ -5056,7 +5170,7 @@
           </p:nvPr>
         </p:nvPicPr>
         <p:blipFill>
-          <a:blip r:embed="rId3" cstate="print"/>
+          <a:blip r:embed="rId4" cstate="print"/>
           <a:stretch>
             <a:fillRect/>
           </a:stretch>

--- a/hplanes.pptx
+++ b/hplanes.pptx
@@ -5,7 +5,7 @@
     <p:sldMasterId id="2147483660" r:id="rId1"/>
   </p:sldMasterIdLst>
   <p:notesMasterIdLst>
-    <p:notesMasterId r:id="rId12"/>
+    <p:notesMasterId r:id="rId13"/>
   </p:notesMasterIdLst>
   <p:sldIdLst>
     <p:sldId id="256" r:id="rId2"/>
@@ -18,6 +18,7 @@
     <p:sldId id="264" r:id="rId9"/>
     <p:sldId id="265" r:id="rId10"/>
     <p:sldId id="266" r:id="rId11"/>
+    <p:sldId id="267" r:id="rId12"/>
   </p:sldIdLst>
   <p:sldSz cx="9144000" cy="6858000" type="screen4x3"/>
   <p:notesSz cx="6858000" cy="9144000"/>
@@ -641,7 +642,11 @@
           <a:p>
             <a:r>
               <a:rPr lang="en-US" baseline="0" dirty="0" smtClean="0"/>
-              <a:t>R = radius of the hyperbolic plane</a:t>
+              <a:t>R = radius of the hyperbolic plane = radius </a:t>
+            </a:r>
+            <a:r>
+              <a:rPr lang="en-US" baseline="0" smtClean="0"/>
+              <a:t>of annuli</a:t>
             </a:r>
             <a:endParaRPr lang="en-US" dirty="0"/>
           </a:p>
@@ -1263,7 +1268,7 @@
               <a:t>pseudosphere</a:t>
             </a:r>
             <a:r>
-              <a:rPr lang="en-US" baseline="0" smtClean="0"/>
+              <a:rPr lang="en-US" baseline="0" dirty="0" smtClean="0"/>
               <a:t> with 11:12 ratio</a:t>
             </a:r>
             <a:endParaRPr lang="en-US" dirty="0"/>
@@ -5179,6 +5184,96 @@
           <a:xfrm>
             <a:off x="4542744" y="2209800"/>
             <a:ext cx="3862874" cy="3505200"/>
+          </a:xfrm>
+        </p:spPr>
+      </p:pic>
+    </p:spTree>
+  </p:cSld>
+  <p:clrMapOvr>
+    <a:masterClrMapping/>
+  </p:clrMapOvr>
+</p:sld>
+</file>
+
+<file path=ppt/slides/slide11.xml><?xml version="1.0" encoding="utf-8"?>
+<p:sld xmlns:a="http://schemas.openxmlformats.org/drawingml/2006/main" xmlns:r="http://schemas.openxmlformats.org/officeDocument/2006/relationships" xmlns:p="http://schemas.openxmlformats.org/presentationml/2006/main">
+  <p:cSld>
+    <p:spTree>
+      <p:nvGrpSpPr>
+        <p:cNvPr id="1" name=""/>
+        <p:cNvGrpSpPr/>
+        <p:nvPr/>
+      </p:nvGrpSpPr>
+      <p:grpSpPr>
+        <a:xfrm>
+          <a:off x="0" y="0"/>
+          <a:ext cx="0" cy="0"/>
+          <a:chOff x="0" y="0"/>
+          <a:chExt cx="0" cy="0"/>
+        </a:xfrm>
+      </p:grpSpPr>
+      <p:sp>
+        <p:nvSpPr>
+          <p:cNvPr id="2" name="Title 1"/>
+          <p:cNvSpPr>
+            <a:spLocks noGrp="1"/>
+          </p:cNvSpPr>
+          <p:nvPr>
+            <p:ph type="title"/>
+          </p:nvPr>
+        </p:nvSpPr>
+        <p:spPr/>
+        <p:txBody>
+          <a:bodyPr/>
+          <a:lstStyle/>
+          <a:p>
+            <a:r>
+              <a:rPr lang="en-US" dirty="0" smtClean="0"/>
+              <a:t>Hyperbolic Triangles</a:t>
+            </a:r>
+            <a:endParaRPr lang="en-US" dirty="0"/>
+          </a:p>
+        </p:txBody>
+      </p:sp>
+      <p:sp>
+        <p:nvSpPr>
+          <p:cNvPr id="3" name="Content Placeholder 2"/>
+          <p:cNvSpPr>
+            <a:spLocks noGrp="1"/>
+          </p:cNvSpPr>
+          <p:nvPr>
+            <p:ph sz="half" idx="1"/>
+          </p:nvPr>
+        </p:nvSpPr>
+        <p:spPr/>
+        <p:txBody>
+          <a:bodyPr/>
+          <a:lstStyle/>
+          <a:p>
+            <a:endParaRPr lang="en-US"/>
+          </a:p>
+        </p:txBody>
+      </p:sp>
+      <p:pic>
+        <p:nvPicPr>
+          <p:cNvPr id="5" name="Content Placeholder 4" descr="htriangle.eps"/>
+          <p:cNvPicPr>
+            <a:picLocks noGrp="1" noChangeAspect="1"/>
+          </p:cNvPicPr>
+          <p:nvPr>
+            <p:ph sz="half" idx="2"/>
+          </p:nvPr>
+        </p:nvPicPr>
+        <p:blipFill>
+          <a:blip r:embed="rId2" cstate="print"/>
+          <a:stretch>
+            <a:fillRect/>
+          </a:stretch>
+        </p:blipFill>
+        <p:spPr>
+          <a:xfrm>
+            <a:off x="4648200" y="1988320"/>
+            <a:ext cx="4038600" cy="4298997"/>
           </a:xfrm>
         </p:spPr>
       </p:pic>

--- a/hplanes.pptx
+++ b/hplanes.pptx
@@ -5,7 +5,7 @@
     <p:sldMasterId id="2147483660" r:id="rId1"/>
   </p:sldMasterIdLst>
   <p:notesMasterIdLst>
-    <p:notesMasterId r:id="rId13"/>
+    <p:notesMasterId r:id="rId14"/>
   </p:notesMasterIdLst>
   <p:sldIdLst>
     <p:sldId id="256" r:id="rId2"/>
@@ -18,7 +18,8 @@
     <p:sldId id="264" r:id="rId9"/>
     <p:sldId id="265" r:id="rId10"/>
     <p:sldId id="266" r:id="rId11"/>
-    <p:sldId id="267" r:id="rId12"/>
+    <p:sldId id="268" r:id="rId12"/>
+    <p:sldId id="267" r:id="rId13"/>
   </p:sldIdLst>
   <p:sldSz cx="9144000" cy="6858000" type="screen4x3"/>
   <p:notesSz cx="6858000" cy="9144000"/>
@@ -572,6 +573,108 @@
 </p:notes>
 </file>
 
+<file path=ppt/notesSlides/notesSlide10.xml><?xml version="1.0" encoding="utf-8"?>
+<p:notes xmlns:a="http://schemas.openxmlformats.org/drawingml/2006/main" xmlns:r="http://schemas.openxmlformats.org/officeDocument/2006/relationships" xmlns:p="http://schemas.openxmlformats.org/presentationml/2006/main">
+  <p:cSld>
+    <p:spTree>
+      <p:nvGrpSpPr>
+        <p:cNvPr id="1" name=""/>
+        <p:cNvGrpSpPr/>
+        <p:nvPr/>
+      </p:nvGrpSpPr>
+      <p:grpSpPr>
+        <a:xfrm>
+          <a:off x="0" y="0"/>
+          <a:ext cx="0" cy="0"/>
+          <a:chOff x="0" y="0"/>
+          <a:chExt cx="0" cy="0"/>
+        </a:xfrm>
+      </p:grpSpPr>
+      <p:sp>
+        <p:nvSpPr>
+          <p:cNvPr id="2" name="Slide Image Placeholder 1"/>
+          <p:cNvSpPr>
+            <a:spLocks noGrp="1" noRot="1" noChangeAspect="1"/>
+          </p:cNvSpPr>
+          <p:nvPr>
+            <p:ph type="sldImg"/>
+          </p:nvPr>
+        </p:nvSpPr>
+        <p:spPr/>
+      </p:sp>
+      <p:sp>
+        <p:nvSpPr>
+          <p:cNvPr id="3" name="Notes Placeholder 2"/>
+          <p:cNvSpPr>
+            <a:spLocks noGrp="1"/>
+          </p:cNvSpPr>
+          <p:nvPr>
+            <p:ph type="body" idx="1"/>
+          </p:nvPr>
+        </p:nvSpPr>
+        <p:spPr/>
+        <p:txBody>
+          <a:bodyPr>
+            <a:normAutofit/>
+          </a:bodyPr>
+          <a:lstStyle/>
+          <a:p>
+            <a:r>
+              <a:rPr lang="en-US" dirty="0" smtClean="0"/>
+              <a:t>Triangle formed by 3 geodesics, extend the sides</a:t>
+            </a:r>
+          </a:p>
+          <a:p>
+            <a:r>
+              <a:rPr lang="en-US" dirty="0" smtClean="0"/>
+              <a:t>Three extra</a:t>
+            </a:r>
+            <a:r>
+              <a:rPr lang="en-US" baseline="0" dirty="0" smtClean="0"/>
+              <a:t> lines: asymptotic at both ends to an extended side of the triangle = </a:t>
+            </a:r>
+            <a:r>
+              <a:rPr lang="en-US" baseline="0" smtClean="0"/>
+              <a:t>ideal triangle</a:t>
+            </a:r>
+            <a:endParaRPr lang="en-US" smtClean="0"/>
+          </a:p>
+          <a:p>
+            <a:endParaRPr lang="en-US" dirty="0"/>
+          </a:p>
+        </p:txBody>
+      </p:sp>
+      <p:sp>
+        <p:nvSpPr>
+          <p:cNvPr id="4" name="Slide Number Placeholder 3"/>
+          <p:cNvSpPr>
+            <a:spLocks noGrp="1"/>
+          </p:cNvSpPr>
+          <p:nvPr>
+            <p:ph type="sldNum" sz="quarter" idx="10"/>
+          </p:nvPr>
+        </p:nvSpPr>
+        <p:spPr/>
+        <p:txBody>
+          <a:bodyPr/>
+          <a:lstStyle/>
+          <a:p>
+            <a:fld id="{64A8B611-7969-4ED8-BAA6-733A94B518BB}" type="slidenum">
+              <a:rPr lang="en-US" smtClean="0"/>
+              <a:t>12</a:t>
+            </a:fld>
+            <a:endParaRPr lang="en-US"/>
+          </a:p>
+        </p:txBody>
+      </p:sp>
+    </p:spTree>
+  </p:cSld>
+  <p:clrMapOvr>
+    <a:masterClrMapping/>
+  </p:clrMapOvr>
+</p:notes>
+</file>
+
 <file path=ppt/notesSlides/notesSlide2.xml><?xml version="1.0" encoding="utf-8"?>
 <p:notes xmlns:a="http://schemas.openxmlformats.org/drawingml/2006/main" xmlns:r="http://schemas.openxmlformats.org/officeDocument/2006/relationships" xmlns:p="http://schemas.openxmlformats.org/presentationml/2006/main">
   <p:cSld>
@@ -642,11 +745,7 @@
           <a:p>
             <a:r>
               <a:rPr lang="en-US" baseline="0" dirty="0" smtClean="0"/>
-              <a:t>R = radius of the hyperbolic plane = radius </a:t>
-            </a:r>
-            <a:r>
-              <a:rPr lang="en-US" baseline="0" smtClean="0"/>
-              <a:t>of annuli</a:t>
+              <a:t>R = radius of the hyperbolic plane = radius of annuli</a:t>
             </a:r>
             <a:endParaRPr lang="en-US" dirty="0"/>
           </a:p>
@@ -1293,6 +1392,237 @@
             <a:fld id="{64A8B611-7969-4ED8-BAA6-733A94B518BB}" type="slidenum">
               <a:rPr lang="en-US" smtClean="0"/>
               <a:t>10</a:t>
+            </a:fld>
+            <a:endParaRPr lang="en-US"/>
+          </a:p>
+        </p:txBody>
+      </p:sp>
+    </p:spTree>
+  </p:cSld>
+  <p:clrMapOvr>
+    <a:masterClrMapping/>
+  </p:clrMapOvr>
+</p:notes>
+</file>
+
+<file path=ppt/notesSlides/notesSlide9.xml><?xml version="1.0" encoding="utf-8"?>
+<p:notes xmlns:a="http://schemas.openxmlformats.org/drawingml/2006/main" xmlns:r="http://schemas.openxmlformats.org/officeDocument/2006/relationships" xmlns:p="http://schemas.openxmlformats.org/presentationml/2006/main">
+  <p:cSld>
+    <p:spTree>
+      <p:nvGrpSpPr>
+        <p:cNvPr id="1" name=""/>
+        <p:cNvGrpSpPr/>
+        <p:nvPr/>
+      </p:nvGrpSpPr>
+      <p:grpSpPr>
+        <a:xfrm>
+          <a:off x="0" y="0"/>
+          <a:ext cx="0" cy="0"/>
+          <a:chOff x="0" y="0"/>
+          <a:chExt cx="0" cy="0"/>
+        </a:xfrm>
+      </p:grpSpPr>
+      <p:sp>
+        <p:nvSpPr>
+          <p:cNvPr id="2" name="Slide Image Placeholder 1"/>
+          <p:cNvSpPr>
+            <a:spLocks noGrp="1" noRot="1" noChangeAspect="1"/>
+          </p:cNvSpPr>
+          <p:nvPr>
+            <p:ph type="sldImg"/>
+          </p:nvPr>
+        </p:nvSpPr>
+        <p:spPr/>
+      </p:sp>
+      <p:sp>
+        <p:nvSpPr>
+          <p:cNvPr id="3" name="Notes Placeholder 2"/>
+          <p:cNvSpPr>
+            <a:spLocks noGrp="1"/>
+          </p:cNvSpPr>
+          <p:nvPr>
+            <p:ph type="body" idx="1"/>
+          </p:nvPr>
+        </p:nvSpPr>
+        <p:spPr/>
+        <p:txBody>
+          <a:bodyPr>
+            <a:normAutofit/>
+          </a:bodyPr>
+          <a:lstStyle/>
+          <a:p>
+            <a:r>
+              <a:rPr lang="en-US" dirty="0" smtClean="0"/>
+              <a:t>Radial</a:t>
+            </a:r>
+            <a:r>
+              <a:rPr lang="en-US" baseline="0" dirty="0" smtClean="0"/>
+              <a:t> curves = geodesics with reflection symmetry</a:t>
+            </a:r>
+          </a:p>
+          <a:p>
+            <a:r>
+              <a:rPr lang="en-US" baseline="0" dirty="0" smtClean="0"/>
+              <a:t>Radial geodesics are asymptotic</a:t>
+            </a:r>
+          </a:p>
+          <a:p>
+            <a:r>
+              <a:rPr lang="en-US" baseline="0" dirty="0" smtClean="0"/>
+              <a:t>New isometry (</a:t>
+            </a:r>
+            <a:r>
+              <a:rPr lang="en-US" baseline="0" dirty="0" err="1" smtClean="0"/>
+              <a:t>horolation</a:t>
+            </a:r>
+            <a:r>
+              <a:rPr lang="en-US" baseline="0" dirty="0" smtClean="0"/>
+              <a:t>)</a:t>
+            </a:r>
+          </a:p>
+          <a:p>
+            <a:pPr lvl="1">
+              <a:buFont typeface="Arial" pitchFamily="34" charset="0"/>
+              <a:buChar char="•"/>
+            </a:pPr>
+            <a:r>
+              <a:rPr lang="en-US" baseline="0" dirty="0" smtClean="0"/>
+              <a:t>composition of two reflections = isometry that preserves each annulus</a:t>
+            </a:r>
+          </a:p>
+          <a:p>
+            <a:pPr lvl="1">
+              <a:buFont typeface="Arial" pitchFamily="34" charset="0"/>
+              <a:buChar char="•"/>
+            </a:pPr>
+            <a:r>
+              <a:rPr lang="en-US" baseline="0" dirty="0" smtClean="0"/>
+              <a:t>In the plane, two reflections would be a rotation (about the center of the annulus)</a:t>
+            </a:r>
+          </a:p>
+          <a:p>
+            <a:pPr lvl="1">
+              <a:buFont typeface="Arial" pitchFamily="34" charset="0"/>
+              <a:buChar char="•"/>
+            </a:pPr>
+            <a:r>
+              <a:rPr lang="en-US" baseline="0" dirty="0" smtClean="0"/>
+              <a:t>Annulus has no center, isometry has no fixed point (radial geodesics don’t intersect)</a:t>
+            </a:r>
+          </a:p>
+          <a:p>
+            <a:pPr lvl="1">
+              <a:buFont typeface="Arial" pitchFamily="34" charset="0"/>
+              <a:buChar char="•"/>
+            </a:pPr>
+            <a:r>
+              <a:rPr lang="en-US" baseline="0" dirty="0" smtClean="0"/>
+              <a:t>Not a translation: no geodesic is preserved</a:t>
+            </a:r>
+          </a:p>
+          <a:p>
+            <a:pPr lvl="1">
+              <a:buFont typeface="Arial" pitchFamily="34" charset="0"/>
+              <a:buChar char="•"/>
+            </a:pPr>
+            <a:r>
+              <a:rPr lang="en-US" baseline="0" dirty="0" smtClean="0"/>
+              <a:t>Presenting… the </a:t>
+            </a:r>
+            <a:r>
+              <a:rPr lang="en-US" baseline="0" dirty="0" err="1" smtClean="0"/>
+              <a:t>horolation</a:t>
+            </a:r>
+            <a:r>
+              <a:rPr lang="en-US" baseline="0" dirty="0" smtClean="0"/>
+              <a:t>!</a:t>
+            </a:r>
+          </a:p>
+          <a:p>
+            <a:pPr lvl="1">
+              <a:buFont typeface="Arial" pitchFamily="34" charset="0"/>
+              <a:buChar char="•"/>
+            </a:pPr>
+            <a:r>
+              <a:rPr lang="en-US" baseline="0" dirty="0" smtClean="0"/>
+              <a:t>Annular curves = </a:t>
+            </a:r>
+            <a:r>
+              <a:rPr lang="en-US" baseline="0" dirty="0" err="1" smtClean="0"/>
+              <a:t>horocycles</a:t>
+            </a:r>
+            <a:endParaRPr lang="en-US" baseline="0" dirty="0" smtClean="0"/>
+          </a:p>
+          <a:p>
+            <a:pPr lvl="0">
+              <a:buFont typeface="Arial" pitchFamily="34" charset="0"/>
+              <a:buNone/>
+            </a:pPr>
+            <a:r>
+              <a:rPr lang="en-US" baseline="0" dirty="0" smtClean="0"/>
+              <a:t>Every pair of points is joined by a unique geodesic.</a:t>
+            </a:r>
+          </a:p>
+          <a:p>
+            <a:pPr lvl="0">
+              <a:buFont typeface="Arial" pitchFamily="34" charset="0"/>
+              <a:buNone/>
+            </a:pPr>
+            <a:r>
+              <a:rPr lang="en-US" baseline="0" dirty="0" smtClean="0"/>
+              <a:t>Two geodesics intersect no more than once.</a:t>
+            </a:r>
+          </a:p>
+          <a:p>
+            <a:pPr lvl="0">
+              <a:buFont typeface="Arial" pitchFamily="34" charset="0"/>
+              <a:buNone/>
+            </a:pPr>
+            <a:r>
+              <a:rPr lang="en-US" baseline="0" dirty="0" smtClean="0"/>
+              <a:t>Every geodesic segment has a geodesic perpendicular bisector.</a:t>
+            </a:r>
+          </a:p>
+          <a:p>
+            <a:pPr lvl="0">
+              <a:buFont typeface="Arial" pitchFamily="34" charset="0"/>
+              <a:buNone/>
+            </a:pPr>
+            <a:r>
+              <a:rPr lang="en-US" baseline="0" dirty="0" smtClean="0"/>
+              <a:t>Every angle (between geodesics) has a geodesic angle bisector.</a:t>
+            </a:r>
+          </a:p>
+          <a:p>
+            <a:pPr lvl="0">
+              <a:buFont typeface="Arial" pitchFamily="34" charset="0"/>
+              <a:buNone/>
+            </a:pPr>
+            <a:r>
+              <a:rPr lang="en-US" baseline="0" dirty="0" smtClean="0"/>
+              <a:t>Each non-radial geodesic is tangent to one annulus, and then, as you travel in both directions from that point, the geodesic approaches being perpendicular to the annuli that it crosses on the way to infinity.</a:t>
+            </a:r>
+          </a:p>
+        </p:txBody>
+      </p:sp>
+      <p:sp>
+        <p:nvSpPr>
+          <p:cNvPr id="4" name="Slide Number Placeholder 3"/>
+          <p:cNvSpPr>
+            <a:spLocks noGrp="1"/>
+          </p:cNvSpPr>
+          <p:nvPr>
+            <p:ph type="sldNum" sz="quarter" idx="10"/>
+          </p:nvPr>
+        </p:nvSpPr>
+        <p:spPr/>
+        <p:txBody>
+          <a:bodyPr/>
+          <a:lstStyle/>
+          <a:p>
+            <a:fld id="{64A8B611-7969-4ED8-BAA6-733A94B518BB}" type="slidenum">
+              <a:rPr lang="en-US" smtClean="0"/>
+              <a:t>11</a:t>
             </a:fld>
             <a:endParaRPr lang="en-US"/>
           </a:p>
@@ -5229,28 +5559,116 @@
           <a:p>
             <a:r>
               <a:rPr lang="en-US" dirty="0" smtClean="0"/>
+              <a:t>Geodesics</a:t>
+            </a:r>
+            <a:endParaRPr lang="en-US" dirty="0"/>
+          </a:p>
+        </p:txBody>
+      </p:sp>
+      <p:sp>
+        <p:nvSpPr>
+          <p:cNvPr id="3" name="Content Placeholder 2"/>
+          <p:cNvSpPr>
+            <a:spLocks noGrp="1"/>
+          </p:cNvSpPr>
+          <p:nvPr>
+            <p:ph sz="half" idx="1"/>
+          </p:nvPr>
+        </p:nvSpPr>
+        <p:spPr/>
+        <p:txBody>
+          <a:bodyPr/>
+          <a:lstStyle/>
+          <a:p>
+            <a:r>
+              <a:rPr lang="en-US" dirty="0" smtClean="0"/>
+              <a:t>Hyperbolic straight lines</a:t>
+            </a:r>
+          </a:p>
+          <a:p>
+            <a:r>
+              <a:rPr lang="en-US" dirty="0" smtClean="0"/>
+              <a:t>Coordinate system</a:t>
+            </a:r>
+          </a:p>
+          <a:p>
+            <a:r>
+              <a:rPr lang="en-US" dirty="0" smtClean="0"/>
+              <a:t>Allow for isometries</a:t>
+            </a:r>
+            <a:endParaRPr lang="en-US" dirty="0"/>
+          </a:p>
+        </p:txBody>
+      </p:sp>
+      <p:pic>
+        <p:nvPicPr>
+          <p:cNvPr id="5" name="Content Placeholder 4" descr="geodesics.jpg"/>
+          <p:cNvPicPr>
+            <a:picLocks noGrp="1" noChangeAspect="1"/>
+          </p:cNvPicPr>
+          <p:nvPr>
+            <p:ph sz="half" idx="2"/>
+          </p:nvPr>
+        </p:nvPicPr>
+        <p:blipFill>
+          <a:blip r:embed="rId3" cstate="print"/>
+          <a:srcRect l="17047" r="8025" b="25603"/>
+          <a:stretch>
+            <a:fillRect/>
+          </a:stretch>
+        </p:blipFill>
+        <p:spPr>
+          <a:xfrm>
+            <a:off x="4696097" y="2133600"/>
+            <a:ext cx="4195354" cy="3124200"/>
+          </a:xfrm>
+        </p:spPr>
+      </p:pic>
+    </p:spTree>
+  </p:cSld>
+  <p:clrMapOvr>
+    <a:masterClrMapping/>
+  </p:clrMapOvr>
+</p:sld>
+</file>
+
+<file path=ppt/slides/slide12.xml><?xml version="1.0" encoding="utf-8"?>
+<p:sld xmlns:a="http://schemas.openxmlformats.org/drawingml/2006/main" xmlns:r="http://schemas.openxmlformats.org/officeDocument/2006/relationships" xmlns:p="http://schemas.openxmlformats.org/presentationml/2006/main">
+  <p:cSld>
+    <p:spTree>
+      <p:nvGrpSpPr>
+        <p:cNvPr id="1" name=""/>
+        <p:cNvGrpSpPr/>
+        <p:nvPr/>
+      </p:nvGrpSpPr>
+      <p:grpSpPr>
+        <a:xfrm>
+          <a:off x="0" y="0"/>
+          <a:ext cx="0" cy="0"/>
+          <a:chOff x="0" y="0"/>
+          <a:chExt cx="0" cy="0"/>
+        </a:xfrm>
+      </p:grpSpPr>
+      <p:sp>
+        <p:nvSpPr>
+          <p:cNvPr id="2" name="Title 1"/>
+          <p:cNvSpPr>
+            <a:spLocks noGrp="1"/>
+          </p:cNvSpPr>
+          <p:nvPr>
+            <p:ph type="title"/>
+          </p:nvPr>
+        </p:nvSpPr>
+        <p:spPr/>
+        <p:txBody>
+          <a:bodyPr/>
+          <a:lstStyle/>
+          <a:p>
+            <a:r>
+              <a:rPr lang="en-US" dirty="0" smtClean="0"/>
               <a:t>Hyperbolic Triangles</a:t>
             </a:r>
             <a:endParaRPr lang="en-US" dirty="0"/>
-          </a:p>
-        </p:txBody>
-      </p:sp>
-      <p:sp>
-        <p:nvSpPr>
-          <p:cNvPr id="3" name="Content Placeholder 2"/>
-          <p:cNvSpPr>
-            <a:spLocks noGrp="1"/>
-          </p:cNvSpPr>
-          <p:nvPr>
-            <p:ph sz="half" idx="1"/>
-          </p:nvPr>
-        </p:nvSpPr>
-        <p:spPr/>
-        <p:txBody>
-          <a:bodyPr/>
-          <a:lstStyle/>
-          <a:p>
-            <a:endParaRPr lang="en-US"/>
           </a:p>
         </p:txBody>
       </p:sp>
@@ -5265,14 +5683,14 @@
           </p:nvPr>
         </p:nvPicPr>
         <p:blipFill>
-          <a:blip r:embed="rId2" cstate="print"/>
+          <a:blip r:embed="rId3" cstate="print"/>
           <a:stretch>
             <a:fillRect/>
           </a:stretch>
         </p:blipFill>
         <p:spPr>
           <a:xfrm>
-            <a:off x="4648200" y="1988320"/>
+            <a:off x="2590800" y="2057400"/>
             <a:ext cx="4038600" cy="4298997"/>
           </a:xfrm>
         </p:spPr>

--- a/hplanes.pptx
+++ b/hplanes.pptx
@@ -5,7 +5,7 @@
     <p:sldMasterId id="2147483660" r:id="rId1"/>
   </p:sldMasterIdLst>
   <p:notesMasterIdLst>
-    <p:notesMasterId r:id="rId14"/>
+    <p:notesMasterId r:id="rId15"/>
   </p:notesMasterIdLst>
   <p:sldIdLst>
     <p:sldId id="256" r:id="rId2"/>
@@ -20,6 +20,7 @@
     <p:sldId id="266" r:id="rId11"/>
     <p:sldId id="268" r:id="rId12"/>
     <p:sldId id="267" r:id="rId13"/>
+    <p:sldId id="269" r:id="rId14"/>
   </p:sldIdLst>
   <p:sldSz cx="9144000" cy="6858000" type="screen4x3"/>
   <p:notesSz cx="6858000" cy="9144000"/>
@@ -631,16 +632,123 @@
             </a:r>
             <a:r>
               <a:rPr lang="en-US" baseline="0" dirty="0" smtClean="0"/>
-              <a:t> lines: asymptotic at both ends to an extended side of the triangle = </a:t>
+              <a:t> lines: asymptotic at both ends to an extended side of the triangle = ideal triangle</a:t>
+            </a:r>
+            <a:endParaRPr lang="en-US" dirty="0" smtClean="0"/>
+          </a:p>
+          <a:p>
+            <a:endParaRPr lang="en-US" dirty="0"/>
+          </a:p>
+        </p:txBody>
+      </p:sp>
+      <p:sp>
+        <p:nvSpPr>
+          <p:cNvPr id="4" name="Slide Number Placeholder 3"/>
+          <p:cNvSpPr>
+            <a:spLocks noGrp="1"/>
+          </p:cNvSpPr>
+          <p:nvPr>
+            <p:ph type="sldNum" sz="quarter" idx="10"/>
+          </p:nvPr>
+        </p:nvSpPr>
+        <p:spPr/>
+        <p:txBody>
+          <a:bodyPr/>
+          <a:lstStyle/>
+          <a:p>
+            <a:fld id="{64A8B611-7969-4ED8-BAA6-733A94B518BB}" type="slidenum">
+              <a:rPr lang="en-US" smtClean="0"/>
+              <a:t>12</a:t>
+            </a:fld>
+            <a:endParaRPr lang="en-US"/>
+          </a:p>
+        </p:txBody>
+      </p:sp>
+    </p:spTree>
+  </p:cSld>
+  <p:clrMapOvr>
+    <a:masterClrMapping/>
+  </p:clrMapOvr>
+</p:notes>
+</file>
+
+<file path=ppt/notesSlides/notesSlide11.xml><?xml version="1.0" encoding="utf-8"?>
+<p:notes xmlns:a="http://schemas.openxmlformats.org/drawingml/2006/main" xmlns:r="http://schemas.openxmlformats.org/officeDocument/2006/relationships" xmlns:p="http://schemas.openxmlformats.org/presentationml/2006/main">
+  <p:cSld>
+    <p:spTree>
+      <p:nvGrpSpPr>
+        <p:cNvPr id="1" name=""/>
+        <p:cNvGrpSpPr/>
+        <p:nvPr/>
+      </p:nvGrpSpPr>
+      <p:grpSpPr>
+        <a:xfrm>
+          <a:off x="0" y="0"/>
+          <a:ext cx="0" cy="0"/>
+          <a:chOff x="0" y="0"/>
+          <a:chExt cx="0" cy="0"/>
+        </a:xfrm>
+      </p:grpSpPr>
+      <p:sp>
+        <p:nvSpPr>
+          <p:cNvPr id="2" name="Slide Image Placeholder 1"/>
+          <p:cNvSpPr>
+            <a:spLocks noGrp="1" noRot="1" noChangeAspect="1"/>
+          </p:cNvSpPr>
+          <p:nvPr>
+            <p:ph type="sldImg"/>
+          </p:nvPr>
+        </p:nvSpPr>
+        <p:spPr/>
+      </p:sp>
+      <p:sp>
+        <p:nvSpPr>
+          <p:cNvPr id="3" name="Notes Placeholder 2"/>
+          <p:cNvSpPr>
+            <a:spLocks noGrp="1"/>
+          </p:cNvSpPr>
+          <p:nvPr>
+            <p:ph type="body" idx="1"/>
+          </p:nvPr>
+        </p:nvSpPr>
+        <p:spPr/>
+        <p:txBody>
+          <a:bodyPr>
+            <a:normAutofit/>
+          </a:bodyPr>
+          <a:lstStyle/>
+          <a:p>
+            <a:r>
+              <a:rPr lang="en-US" dirty="0" smtClean="0"/>
+              <a:t>Two-dimensional</a:t>
+            </a:r>
+            <a:r>
+              <a:rPr lang="en-US" baseline="0" dirty="0" smtClean="0"/>
+              <a:t> stable manifold of the origin of the Lorenz system</a:t>
+            </a:r>
+          </a:p>
+          <a:p>
+            <a:r>
+              <a:rPr lang="en-US" baseline="0" dirty="0" smtClean="0"/>
+              <a:t>Lorenz equations describe the nature of chaotic systems</a:t>
+            </a:r>
+          </a:p>
+          <a:p>
+            <a:r>
+              <a:rPr lang="en-US" baseline="0" dirty="0" smtClean="0"/>
+              <a:t>Computer generated mesh = easy to convert to a crochet pattern</a:t>
+            </a:r>
+          </a:p>
+          <a:p>
+            <a:r>
+              <a:rPr lang="en-US" baseline="0" dirty="0" smtClean="0"/>
+              <a:t>Areas of positive and </a:t>
             </a:r>
             <a:r>
               <a:rPr lang="en-US" baseline="0" smtClean="0"/>
-              <a:t>ideal triangle</a:t>
-            </a:r>
-            <a:endParaRPr lang="en-US" smtClean="0"/>
-          </a:p>
-          <a:p>
-            <a:endParaRPr lang="en-US" dirty="0"/>
+              <a:t>negative curvature</a:t>
+            </a:r>
+            <a:endParaRPr lang="en-US"/>
           </a:p>
         </p:txBody>
       </p:sp>
@@ -661,7 +769,7 @@
           <a:p>
             <a:fld id="{64A8B611-7969-4ED8-BAA6-733A94B518BB}" type="slidenum">
               <a:rPr lang="en-US" smtClean="0"/>
-              <a:t>12</a:t>
+              <a:t>13</a:t>
             </a:fld>
             <a:endParaRPr lang="en-US"/>
           </a:p>
@@ -5692,6 +5800,100 @@
           <a:xfrm>
             <a:off x="2590800" y="2057400"/>
             <a:ext cx="4038600" cy="4298997"/>
+          </a:xfrm>
+        </p:spPr>
+      </p:pic>
+    </p:spTree>
+  </p:cSld>
+  <p:clrMapOvr>
+    <a:masterClrMapping/>
+  </p:clrMapOvr>
+</p:sld>
+</file>
+
+<file path=ppt/slides/slide13.xml><?xml version="1.0" encoding="utf-8"?>
+<p:sld xmlns:a="http://schemas.openxmlformats.org/drawingml/2006/main" xmlns:r="http://schemas.openxmlformats.org/officeDocument/2006/relationships" xmlns:p="http://schemas.openxmlformats.org/presentationml/2006/main">
+  <p:cSld>
+    <p:spTree>
+      <p:nvGrpSpPr>
+        <p:cNvPr id="1" name=""/>
+        <p:cNvGrpSpPr/>
+        <p:nvPr/>
+      </p:nvGrpSpPr>
+      <p:grpSpPr>
+        <a:xfrm>
+          <a:off x="0" y="0"/>
+          <a:ext cx="0" cy="0"/>
+          <a:chOff x="0" y="0"/>
+          <a:chExt cx="0" cy="0"/>
+        </a:xfrm>
+      </p:grpSpPr>
+      <p:sp>
+        <p:nvSpPr>
+          <p:cNvPr id="2" name="Title 1"/>
+          <p:cNvSpPr>
+            <a:spLocks noGrp="1"/>
+          </p:cNvSpPr>
+          <p:nvPr>
+            <p:ph type="title"/>
+          </p:nvPr>
+        </p:nvSpPr>
+        <p:spPr/>
+        <p:txBody>
+          <a:bodyPr/>
+          <a:lstStyle/>
+          <a:p>
+            <a:r>
+              <a:rPr lang="en-US" dirty="0" smtClean="0"/>
+              <a:t>Lorenz Manifold</a:t>
+            </a:r>
+            <a:endParaRPr lang="en-US" dirty="0"/>
+          </a:p>
+        </p:txBody>
+      </p:sp>
+      <p:pic>
+        <p:nvPicPr>
+          <p:cNvPr id="5" name="Content Placeholder 4" descr="lor_w.jpg"/>
+          <p:cNvPicPr>
+            <a:picLocks noGrp="1" noChangeAspect="1"/>
+          </p:cNvPicPr>
+          <p:nvPr>
+            <p:ph sz="half" idx="1"/>
+          </p:nvPr>
+        </p:nvPicPr>
+        <p:blipFill>
+          <a:blip r:embed="rId3" cstate="print"/>
+          <a:stretch>
+            <a:fillRect/>
+          </a:stretch>
+        </p:blipFill>
+        <p:spPr>
+          <a:xfrm>
+            <a:off x="762000" y="2067167"/>
+            <a:ext cx="3429000" cy="4141304"/>
+          </a:xfrm>
+        </p:spPr>
+      </p:pic>
+      <p:pic>
+        <p:nvPicPr>
+          <p:cNvPr id="6" name="Content Placeholder 5" descr="lor_b.jpg"/>
+          <p:cNvPicPr>
+            <a:picLocks noGrp="1" noChangeAspect="1"/>
+          </p:cNvPicPr>
+          <p:nvPr>
+            <p:ph sz="half" idx="2"/>
+          </p:nvPr>
+        </p:nvPicPr>
+        <p:blipFill>
+          <a:blip r:embed="rId4" cstate="print"/>
+          <a:stretch>
+            <a:fillRect/>
+          </a:stretch>
+        </p:blipFill>
+        <p:spPr>
+          <a:xfrm>
+            <a:off x="4952999" y="2067165"/>
+            <a:ext cx="3429001" cy="4141305"/>
           </a:xfrm>
         </p:spPr>
       </p:pic>
